--- a/Backtest Platform FE670.pptx
+++ b/Backtest Platform FE670.pptx
@@ -5,39 +5,40 @@
     <p:sldMasterId id="2147483659" r:id="rId1"/>
   </p:sldMasterIdLst>
   <p:notesMasterIdLst>
-    <p:notesMasterId r:id="rId11"/>
+    <p:notesMasterId r:id="rId12"/>
   </p:notesMasterIdLst>
   <p:sldIdLst>
     <p:sldId id="256" r:id="rId2"/>
     <p:sldId id="257" r:id="rId3"/>
-    <p:sldId id="258" r:id="rId4"/>
-    <p:sldId id="259" r:id="rId5"/>
-    <p:sldId id="260" r:id="rId6"/>
-    <p:sldId id="261" r:id="rId7"/>
-    <p:sldId id="262" r:id="rId8"/>
-    <p:sldId id="264" r:id="rId9"/>
-    <p:sldId id="263" r:id="rId10"/>
+    <p:sldId id="265" r:id="rId4"/>
+    <p:sldId id="258" r:id="rId5"/>
+    <p:sldId id="259" r:id="rId6"/>
+    <p:sldId id="260" r:id="rId7"/>
+    <p:sldId id="261" r:id="rId8"/>
+    <p:sldId id="262" r:id="rId9"/>
+    <p:sldId id="264" r:id="rId10"/>
+    <p:sldId id="263" r:id="rId11"/>
   </p:sldIdLst>
   <p:sldSz cx="9144000" cy="5143500" type="screen16x9"/>
   <p:notesSz cx="6858000" cy="9144000"/>
   <p:embeddedFontLst>
     <p:embeddedFont>
       <p:font typeface="Cambria Math" panose="02040503050406030204" pitchFamily="18" charset="0"/>
-      <p:regular r:id="rId12"/>
+      <p:regular r:id="rId13"/>
     </p:embeddedFont>
     <p:embeddedFont>
-      <p:font typeface="Lato" panose="020F0502020204030203" pitchFamily="34" charset="0"/>
-      <p:regular r:id="rId13"/>
-      <p:bold r:id="rId14"/>
-      <p:italic r:id="rId15"/>
-      <p:boldItalic r:id="rId16"/>
+      <p:font typeface="Lato" panose="020B0604020202020204" charset="0"/>
+      <p:regular r:id="rId14"/>
+      <p:bold r:id="rId15"/>
+      <p:italic r:id="rId16"/>
+      <p:boldItalic r:id="rId17"/>
     </p:embeddedFont>
     <p:embeddedFont>
-      <p:font typeface="Raleway" panose="020B0503030101060003" pitchFamily="34" charset="0"/>
-      <p:regular r:id="rId17"/>
-      <p:bold r:id="rId18"/>
-      <p:italic r:id="rId19"/>
-      <p:boldItalic r:id="rId20"/>
+      <p:font typeface="Raleway" panose="020B0604020202020204" charset="0"/>
+      <p:regular r:id="rId18"/>
+      <p:bold r:id="rId19"/>
+      <p:italic r:id="rId20"/>
+      <p:boldItalic r:id="rId21"/>
     </p:embeddedFont>
   </p:embeddedFontLst>
   <p:defaultTextStyle>
@@ -8402,6 +8403,826 @@
 </p:sld>
 </file>
 
+<file path=ppt/slides/slide10.xml><?xml version="1.0" encoding="utf-8"?>
+<p:sld xmlns:a="http://schemas.openxmlformats.org/drawingml/2006/main" xmlns:r="http://schemas.openxmlformats.org/officeDocument/2006/relationships" xmlns:p="http://schemas.openxmlformats.org/presentationml/2006/main">
+  <p:cSld>
+    <p:spTree>
+      <p:nvGrpSpPr>
+        <p:cNvPr id="1" name="Shape 127"/>
+        <p:cNvGrpSpPr/>
+        <p:nvPr/>
+      </p:nvGrpSpPr>
+      <p:grpSpPr>
+        <a:xfrm>
+          <a:off x="0" y="0"/>
+          <a:ext cx="0" cy="0"/>
+          <a:chOff x="0" y="0"/>
+          <a:chExt cx="0" cy="0"/>
+        </a:xfrm>
+      </p:grpSpPr>
+      <p:sp>
+        <p:nvSpPr>
+          <p:cNvPr id="128" name="Google Shape;128;p20"/>
+          <p:cNvSpPr txBox="1">
+            <a:spLocks noGrp="1"/>
+          </p:cNvSpPr>
+          <p:nvPr>
+            <p:ph type="title"/>
+          </p:nvPr>
+        </p:nvSpPr>
+        <p:spPr>
+          <a:xfrm>
+            <a:off x="729450" y="1240225"/>
+            <a:ext cx="7688700" cy="535200"/>
+          </a:xfrm>
+          <a:prstGeom prst="rect">
+            <a:avLst/>
+          </a:prstGeom>
+        </p:spPr>
+        <p:txBody>
+          <a:bodyPr spcFirstLastPara="1" wrap="square" lIns="91425" tIns="91425" rIns="91425" bIns="91425" anchor="t" anchorCtr="0">
+            <a:noAutofit/>
+          </a:bodyPr>
+          <a:lstStyle/>
+          <a:p>
+            <a:pPr marL="0" marR="0" lvl="0" indent="0" algn="l" rtl="0">
+              <a:lnSpc>
+                <a:spcPct val="100000"/>
+              </a:lnSpc>
+              <a:spcBef>
+                <a:spcPts val="0"/>
+              </a:spcBef>
+              <a:spcAft>
+                <a:spcPts val="0"/>
+              </a:spcAft>
+              <a:buNone/>
+            </a:pPr>
+            <a:r>
+              <a:rPr lang="zh-CN"/>
+              <a:t> Conclusion of the summary findings</a:t>
+            </a:r>
+            <a:endParaRPr/>
+          </a:p>
+          <a:p>
+            <a:pPr marL="0" lvl="0" indent="0" algn="l" rtl="0">
+              <a:spcBef>
+                <a:spcPts val="0"/>
+              </a:spcBef>
+              <a:spcAft>
+                <a:spcPts val="0"/>
+              </a:spcAft>
+              <a:buNone/>
+            </a:pPr>
+            <a:endParaRPr/>
+          </a:p>
+        </p:txBody>
+      </p:sp>
+      <p:sp>
+        <p:nvSpPr>
+          <p:cNvPr id="129" name="Google Shape;129;p20"/>
+          <p:cNvSpPr txBox="1">
+            <a:spLocks noGrp="1"/>
+          </p:cNvSpPr>
+          <p:nvPr>
+            <p:ph type="body" idx="1"/>
+          </p:nvPr>
+        </p:nvSpPr>
+        <p:spPr>
+          <a:xfrm>
+            <a:off x="729450" y="2078875"/>
+            <a:ext cx="7688700" cy="2261100"/>
+          </a:xfrm>
+          <a:prstGeom prst="rect">
+            <a:avLst/>
+          </a:prstGeom>
+        </p:spPr>
+        <p:txBody>
+          <a:bodyPr spcFirstLastPara="1" wrap="square" lIns="91425" tIns="91425" rIns="91425" bIns="91425" anchor="t" anchorCtr="0">
+            <a:noAutofit/>
+          </a:bodyPr>
+          <a:lstStyle/>
+          <a:p>
+            <a:pPr marL="0" lvl="0" indent="0" algn="l" rtl="0">
+              <a:spcBef>
+                <a:spcPts val="900"/>
+              </a:spcBef>
+              <a:spcAft>
+                <a:spcPts val="0"/>
+              </a:spcAft>
+              <a:buNone/>
+            </a:pPr>
+            <a:endParaRPr sz="2400" b="1">
+              <a:solidFill>
+                <a:srgbClr val="2D3B45"/>
+              </a:solidFill>
+              <a:highlight>
+                <a:srgbClr val="FFFFFF"/>
+              </a:highlight>
+            </a:endParaRPr>
+          </a:p>
+          <a:p>
+            <a:pPr marL="0" lvl="0" indent="0" algn="l" rtl="0">
+              <a:spcBef>
+                <a:spcPts val="900"/>
+              </a:spcBef>
+              <a:spcAft>
+                <a:spcPts val="1600"/>
+              </a:spcAft>
+              <a:buNone/>
+            </a:pPr>
+            <a:endParaRPr/>
+          </a:p>
+        </p:txBody>
+      </p:sp>
+      <p:sp>
+        <p:nvSpPr>
+          <p:cNvPr id="2" name="文本框 1">
+            <a:extLst>
+              <a:ext uri="{FF2B5EF4-FFF2-40B4-BE49-F238E27FC236}">
+                <a16:creationId xmlns:a16="http://schemas.microsoft.com/office/drawing/2014/main" id="{7FD94001-FB03-ED43-AA02-5699C8A9247B}"/>
+              </a:ext>
+            </a:extLst>
+          </p:cNvPr>
+          <p:cNvSpPr txBox="1"/>
+          <p:nvPr/>
+        </p:nvSpPr>
+        <p:spPr>
+          <a:xfrm>
+            <a:off x="822037" y="1968038"/>
+            <a:ext cx="6982690" cy="1815882"/>
+          </a:xfrm>
+          <a:prstGeom prst="rect">
+            <a:avLst/>
+          </a:prstGeom>
+          <a:noFill/>
+        </p:spPr>
+        <p:txBody>
+          <a:bodyPr wrap="square" rtlCol="0">
+            <a:spAutoFit/>
+          </a:bodyPr>
+          <a:lstStyle/>
+          <a:p>
+            <a:pPr marL="285750" indent="-285750">
+              <a:buFont typeface="Wingdings" pitchFamily="2" charset="2"/>
+              <a:buChar char="l"/>
+            </a:pPr>
+            <a:r>
+              <a:rPr kumimoji="1" lang="en-US" altLang="zh-CN" dirty="0"/>
+              <a:t>The</a:t>
+            </a:r>
+            <a:r>
+              <a:rPr kumimoji="1" lang="zh-CN" altLang="en-US" dirty="0"/>
+              <a:t> </a:t>
+            </a:r>
+            <a:r>
+              <a:rPr kumimoji="1" lang="en-US" altLang="zh-CN" dirty="0"/>
+              <a:t>factor</a:t>
+            </a:r>
+            <a:r>
+              <a:rPr kumimoji="1" lang="zh-CN" altLang="en-US" dirty="0"/>
+              <a:t> </a:t>
+            </a:r>
+            <a:r>
+              <a:rPr kumimoji="1" lang="en-US" altLang="zh-CN" dirty="0"/>
+              <a:t>we</a:t>
+            </a:r>
+            <a:r>
+              <a:rPr kumimoji="1" lang="zh-CN" altLang="en-US" dirty="0"/>
+              <a:t> </a:t>
+            </a:r>
+            <a:r>
+              <a:rPr kumimoji="1" lang="en-US" altLang="zh-CN" dirty="0"/>
+              <a:t>choose</a:t>
+            </a:r>
+            <a:r>
+              <a:rPr kumimoji="1" lang="zh-CN" altLang="en-US" dirty="0"/>
+              <a:t> </a:t>
+            </a:r>
+            <a:r>
+              <a:rPr kumimoji="1" lang="en-US" altLang="zh-CN" dirty="0"/>
+              <a:t>from</a:t>
+            </a:r>
+            <a:r>
+              <a:rPr kumimoji="1" lang="zh-CN" altLang="en-US" dirty="0"/>
+              <a:t> </a:t>
+            </a:r>
+            <a:r>
+              <a:rPr kumimoji="1" lang="en-US" altLang="zh-CN" dirty="0"/>
+              <a:t>Financial Statement.</a:t>
+            </a:r>
+            <a:r>
+              <a:rPr kumimoji="1" lang="zh-CN" altLang="en-US" dirty="0"/>
+              <a:t> </a:t>
+            </a:r>
+            <a:r>
+              <a:rPr kumimoji="1" lang="en-US" altLang="zh-CN" dirty="0"/>
+              <a:t>As</a:t>
+            </a:r>
+            <a:r>
+              <a:rPr kumimoji="1" lang="zh-CN" altLang="en-US" dirty="0"/>
+              <a:t> </a:t>
+            </a:r>
+            <a:r>
+              <a:rPr kumimoji="1" lang="en-US" altLang="zh-CN" dirty="0"/>
+              <a:t>we</a:t>
+            </a:r>
+            <a:r>
+              <a:rPr kumimoji="1" lang="zh-CN" altLang="en-US" dirty="0"/>
+              <a:t> </a:t>
+            </a:r>
+            <a:r>
+              <a:rPr kumimoji="1" lang="en-US" altLang="zh-CN" dirty="0"/>
+              <a:t>can</a:t>
+            </a:r>
+            <a:r>
+              <a:rPr kumimoji="1" lang="zh-CN" altLang="en-US" dirty="0"/>
+              <a:t> </a:t>
+            </a:r>
+            <a:r>
+              <a:rPr kumimoji="1" lang="en-US" altLang="zh-CN" dirty="0"/>
+              <a:t>see</a:t>
+            </a:r>
+            <a:r>
+              <a:rPr kumimoji="1" lang="zh-CN" altLang="en-US" dirty="0"/>
+              <a:t> </a:t>
+            </a:r>
+            <a:r>
+              <a:rPr kumimoji="1" lang="en-US" altLang="zh-CN" dirty="0"/>
+              <a:t>from</a:t>
+            </a:r>
+            <a:r>
+              <a:rPr kumimoji="1" lang="zh-CN" altLang="en-US" dirty="0"/>
+              <a:t> </a:t>
+            </a:r>
+            <a:r>
+              <a:rPr kumimoji="1" lang="en-US" altLang="zh-CN" dirty="0"/>
+              <a:t>the</a:t>
+            </a:r>
+            <a:r>
+              <a:rPr kumimoji="1" lang="zh-CN" altLang="en-US" dirty="0"/>
+              <a:t> </a:t>
+            </a:r>
+            <a:r>
+              <a:rPr kumimoji="1" lang="en-US" altLang="zh-CN" dirty="0"/>
+              <a:t>compare</a:t>
+            </a:r>
+            <a:r>
+              <a:rPr kumimoji="1" lang="zh-CN" altLang="en-US" dirty="0"/>
+              <a:t> </a:t>
+            </a:r>
+            <a:r>
+              <a:rPr kumimoji="1" lang="en-US" altLang="zh-CN" dirty="0"/>
+              <a:t>with</a:t>
+            </a:r>
+            <a:r>
+              <a:rPr kumimoji="1" lang="zh-CN" altLang="en-US" dirty="0"/>
+              <a:t> </a:t>
+            </a:r>
+            <a:r>
+              <a:rPr kumimoji="1" lang="en-US" altLang="zh-CN" dirty="0"/>
+              <a:t>Simple</a:t>
+            </a:r>
+            <a:r>
+              <a:rPr kumimoji="1" lang="zh-CN" altLang="en-US" dirty="0"/>
+              <a:t> </a:t>
+            </a:r>
+            <a:r>
+              <a:rPr kumimoji="1" lang="en-US" altLang="zh-CN" dirty="0"/>
+              <a:t>Factor</a:t>
+            </a:r>
+            <a:r>
+              <a:rPr kumimoji="1" lang="zh-CN" altLang="en-US" dirty="0"/>
+              <a:t> </a:t>
+            </a:r>
+            <a:r>
+              <a:rPr kumimoji="1" lang="en-US" altLang="zh-CN" dirty="0"/>
+              <a:t>and</a:t>
+            </a:r>
+            <a:r>
+              <a:rPr kumimoji="1" lang="zh-CN" altLang="en-US" dirty="0"/>
+              <a:t> </a:t>
+            </a:r>
+            <a:r>
+              <a:rPr kumimoji="1" lang="en-US" altLang="zh-CN" dirty="0"/>
+              <a:t>Combined Factor,</a:t>
+            </a:r>
+            <a:r>
+              <a:rPr kumimoji="1" lang="zh-CN" altLang="en-US" dirty="0"/>
+              <a:t> </a:t>
+            </a:r>
+            <a:r>
+              <a:rPr kumimoji="1" lang="en-US" altLang="zh-CN" dirty="0"/>
+              <a:t>we</a:t>
+            </a:r>
+            <a:r>
+              <a:rPr kumimoji="1" lang="zh-CN" altLang="en-US" dirty="0"/>
+              <a:t> </a:t>
+            </a:r>
+            <a:r>
+              <a:rPr kumimoji="1" lang="en-US" altLang="zh-CN" dirty="0"/>
+              <a:t>can</a:t>
+            </a:r>
+            <a:r>
+              <a:rPr kumimoji="1" lang="zh-CN" altLang="en-US" dirty="0"/>
+              <a:t> </a:t>
+            </a:r>
+            <a:r>
+              <a:rPr kumimoji="1" lang="en-US" altLang="zh-CN" dirty="0"/>
+              <a:t>find</a:t>
+            </a:r>
+            <a:r>
+              <a:rPr kumimoji="1" lang="zh-CN" altLang="en-US" dirty="0"/>
+              <a:t> </a:t>
+            </a:r>
+            <a:r>
+              <a:rPr kumimoji="1" lang="en-US" altLang="zh-CN" dirty="0"/>
+              <a:t>that</a:t>
+            </a:r>
+            <a:r>
+              <a:rPr kumimoji="1" lang="zh-CN" altLang="en-US" dirty="0"/>
+              <a:t> </a:t>
+            </a:r>
+            <a:r>
+              <a:rPr kumimoji="1" lang="en-US" altLang="zh-CN" dirty="0"/>
+              <a:t>using</a:t>
+            </a:r>
+            <a:r>
+              <a:rPr kumimoji="1" lang="zh-CN" altLang="en-US" dirty="0"/>
+              <a:t> </a:t>
+            </a:r>
+            <a:r>
+              <a:rPr kumimoji="1" lang="en-US" altLang="zh-CN" dirty="0"/>
+              <a:t>the</a:t>
+            </a:r>
+            <a:r>
+              <a:rPr kumimoji="1" lang="zh-CN" altLang="en-US" dirty="0"/>
+              <a:t> </a:t>
+            </a:r>
+            <a:r>
+              <a:rPr kumimoji="1" lang="en-US" altLang="zh-CN" dirty="0"/>
+              <a:t>simple</a:t>
+            </a:r>
+            <a:r>
+              <a:rPr kumimoji="1" lang="zh-CN" altLang="en-US" dirty="0"/>
+              <a:t> </a:t>
+            </a:r>
+            <a:r>
+              <a:rPr kumimoji="1" lang="en-US" altLang="zh-CN" dirty="0"/>
+              <a:t>factor</a:t>
+            </a:r>
+            <a:r>
+              <a:rPr kumimoji="1" lang="zh-CN" altLang="en-US" dirty="0"/>
+              <a:t> </a:t>
+            </a:r>
+            <a:r>
+              <a:rPr kumimoji="1" lang="en-US" altLang="zh-CN" dirty="0"/>
+              <a:t>can</a:t>
+            </a:r>
+            <a:r>
+              <a:rPr kumimoji="1" lang="zh-CN" altLang="en-US" dirty="0"/>
+              <a:t> </a:t>
+            </a:r>
+            <a:r>
+              <a:rPr kumimoji="1" lang="en-US" altLang="zh-CN" dirty="0"/>
+              <a:t>not</a:t>
+            </a:r>
+            <a:r>
+              <a:rPr kumimoji="1" lang="zh-CN" altLang="en-US" dirty="0"/>
+              <a:t> </a:t>
+            </a:r>
+            <a:r>
+              <a:rPr kumimoji="1" lang="en-US" altLang="zh-CN" dirty="0"/>
+              <a:t>gain</a:t>
+            </a:r>
+            <a:r>
+              <a:rPr kumimoji="1" lang="zh-CN" altLang="en-US" dirty="0"/>
+              <a:t> </a:t>
+            </a:r>
+            <a:r>
+              <a:rPr kumimoji="1" lang="en-US" altLang="zh-CN" dirty="0"/>
+              <a:t>a</a:t>
+            </a:r>
+            <a:r>
+              <a:rPr kumimoji="1" lang="zh-CN" altLang="en-US" dirty="0"/>
+              <a:t> </a:t>
+            </a:r>
+            <a:r>
+              <a:rPr kumimoji="1" lang="en-US" altLang="zh-CN" dirty="0"/>
+              <a:t>good</a:t>
+            </a:r>
+            <a:r>
+              <a:rPr kumimoji="1" lang="zh-CN" altLang="en-US" dirty="0"/>
+              <a:t> </a:t>
+            </a:r>
+            <a:r>
+              <a:rPr kumimoji="1" lang="en-US" altLang="zh-CN" dirty="0"/>
+              <a:t>performance.</a:t>
+            </a:r>
+            <a:r>
+              <a:rPr kumimoji="1" lang="zh-CN" altLang="en-US" dirty="0"/>
+              <a:t> </a:t>
+            </a:r>
+            <a:r>
+              <a:rPr kumimoji="1" lang="en-US" altLang="zh-CN" dirty="0"/>
+              <a:t>Thus,</a:t>
+            </a:r>
+            <a:r>
+              <a:rPr kumimoji="1" lang="zh-CN" altLang="en-US" dirty="0"/>
+              <a:t> </a:t>
+            </a:r>
+            <a:r>
+              <a:rPr kumimoji="1" lang="en-US" altLang="zh-CN" dirty="0"/>
+              <a:t>we</a:t>
+            </a:r>
+            <a:r>
+              <a:rPr kumimoji="1" lang="zh-CN" altLang="en-US" dirty="0"/>
+              <a:t> </a:t>
+            </a:r>
+            <a:r>
+              <a:rPr kumimoji="1" lang="en-US" altLang="zh-CN" dirty="0"/>
+              <a:t>should</a:t>
+            </a:r>
+            <a:r>
+              <a:rPr kumimoji="1" lang="zh-CN" altLang="en-US" dirty="0"/>
+              <a:t> </a:t>
+            </a:r>
+            <a:r>
+              <a:rPr kumimoji="1" lang="en-US" altLang="zh-CN" dirty="0"/>
+              <a:t>do</a:t>
+            </a:r>
+            <a:r>
+              <a:rPr kumimoji="1" lang="zh-CN" altLang="en-US" dirty="0"/>
+              <a:t> </a:t>
+            </a:r>
+            <a:r>
+              <a:rPr kumimoji="1" lang="en-US" altLang="zh-CN" dirty="0"/>
+              <a:t>some</a:t>
+            </a:r>
+            <a:r>
+              <a:rPr kumimoji="1" lang="zh-CN" altLang="en-US" dirty="0"/>
+              <a:t> </a:t>
+            </a:r>
+            <a:r>
+              <a:rPr kumimoji="1" lang="en-US" altLang="zh-CN" dirty="0"/>
+              <a:t>process with</a:t>
+            </a:r>
+            <a:r>
+              <a:rPr kumimoji="1" lang="zh-CN" altLang="en-US" dirty="0"/>
+              <a:t> </a:t>
+            </a:r>
+            <a:r>
+              <a:rPr kumimoji="1" lang="en-US" altLang="zh-CN" dirty="0"/>
+              <a:t>our</a:t>
+            </a:r>
+            <a:r>
+              <a:rPr kumimoji="1" lang="zh-CN" altLang="en-US" dirty="0"/>
+              <a:t> </a:t>
+            </a:r>
+            <a:r>
+              <a:rPr kumimoji="1" lang="en-US" altLang="zh-CN" dirty="0"/>
+              <a:t>factor</a:t>
+            </a:r>
+            <a:r>
+              <a:rPr kumimoji="1" lang="zh-CN" altLang="en-US" dirty="0"/>
+              <a:t> </a:t>
+            </a:r>
+            <a:r>
+              <a:rPr kumimoji="1" lang="en-US" altLang="zh-CN" dirty="0"/>
+              <a:t>exp</a:t>
+            </a:r>
+            <a:r>
+              <a:rPr kumimoji="1" lang="zh-CN" altLang="en-US" dirty="0"/>
+              <a:t> </a:t>
+            </a:r>
+            <a:r>
+              <a:rPr kumimoji="1" lang="en-US" altLang="zh-CN" dirty="0"/>
+              <a:t>combining different factors.</a:t>
+            </a:r>
+          </a:p>
+          <a:p>
+            <a:pPr marL="285750" indent="-285750">
+              <a:buFont typeface="Wingdings" pitchFamily="2" charset="2"/>
+              <a:buChar char="l"/>
+            </a:pPr>
+            <a:r>
+              <a:rPr kumimoji="1" lang="en-US" altLang="zh-CN" dirty="0"/>
+              <a:t>The</a:t>
+            </a:r>
+            <a:r>
+              <a:rPr kumimoji="1" lang="zh-CN" altLang="en-US" dirty="0"/>
+              <a:t> </a:t>
+            </a:r>
+            <a:r>
+              <a:rPr kumimoji="1" lang="en-US" altLang="zh-CN" dirty="0"/>
+              <a:t>best</a:t>
+            </a:r>
+            <a:r>
+              <a:rPr kumimoji="1" lang="zh-CN" altLang="en-US" dirty="0"/>
+              <a:t> </a:t>
+            </a:r>
+            <a:r>
+              <a:rPr kumimoji="1" lang="en-US" altLang="zh-CN" dirty="0"/>
+              <a:t>performance group</a:t>
+            </a:r>
+            <a:r>
+              <a:rPr kumimoji="1" lang="zh-CN" altLang="en-US" dirty="0"/>
+              <a:t> </a:t>
+            </a:r>
+            <a:r>
+              <a:rPr kumimoji="1" lang="en-US" altLang="zh-CN" dirty="0"/>
+              <a:t>is</a:t>
+            </a:r>
+            <a:r>
+              <a:rPr kumimoji="1" lang="zh-CN" altLang="en-US" dirty="0"/>
+              <a:t> </a:t>
+            </a:r>
+            <a:r>
+              <a:rPr kumimoji="1" lang="en-US" altLang="zh-CN" dirty="0"/>
+              <a:t>Third</a:t>
+            </a:r>
+            <a:r>
+              <a:rPr kumimoji="1" lang="zh-CN" altLang="en-US" dirty="0"/>
+              <a:t> </a:t>
+            </a:r>
+            <a:r>
+              <a:rPr kumimoji="1" lang="en-US" altLang="zh-CN" dirty="0"/>
+              <a:t>not</a:t>
+            </a:r>
+            <a:r>
+              <a:rPr kumimoji="1" lang="zh-CN" altLang="en-US" dirty="0"/>
+              <a:t> </a:t>
+            </a:r>
+            <a:r>
+              <a:rPr kumimoji="1" lang="en-US" altLang="zh-CN" dirty="0"/>
+              <a:t>Fifth,</a:t>
+            </a:r>
+            <a:r>
+              <a:rPr kumimoji="1" lang="zh-CN" altLang="en-US" dirty="0"/>
+              <a:t> </a:t>
+            </a:r>
+            <a:r>
+              <a:rPr kumimoji="1" lang="en-US" altLang="zh-CN" dirty="0"/>
+              <a:t>which</a:t>
+            </a:r>
+            <a:r>
+              <a:rPr kumimoji="1" lang="zh-CN" altLang="en-US" dirty="0"/>
+              <a:t> </a:t>
+            </a:r>
+            <a:r>
+              <a:rPr kumimoji="1" lang="en-US" altLang="zh-CN" dirty="0"/>
+              <a:t>means</a:t>
+            </a:r>
+            <a:r>
+              <a:rPr kumimoji="1" lang="zh-CN" altLang="en-US" dirty="0"/>
+              <a:t> </a:t>
+            </a:r>
+            <a:r>
+              <a:rPr kumimoji="1" lang="en-US" altLang="zh-CN" dirty="0"/>
+              <a:t>these</a:t>
+            </a:r>
+            <a:r>
+              <a:rPr kumimoji="1" lang="zh-CN" altLang="en-US" dirty="0"/>
+              <a:t> </a:t>
+            </a:r>
+            <a:r>
+              <a:rPr kumimoji="1" lang="en-US" altLang="zh-CN" dirty="0"/>
+              <a:t>portfolios</a:t>
+            </a:r>
+            <a:r>
+              <a:rPr kumimoji="1" lang="zh-CN" altLang="en-US" dirty="0"/>
+              <a:t> </a:t>
+            </a:r>
+            <a:r>
+              <a:rPr kumimoji="1" lang="en-US" altLang="zh-CN" dirty="0"/>
+              <a:t>are</a:t>
+            </a:r>
+            <a:r>
+              <a:rPr kumimoji="1" lang="zh-CN" altLang="en-US" dirty="0"/>
+              <a:t> </a:t>
+            </a:r>
+            <a:r>
+              <a:rPr kumimoji="1" lang="en-US" altLang="zh-CN" dirty="0"/>
+              <a:t>not</a:t>
+            </a:r>
+            <a:r>
+              <a:rPr kumimoji="1" lang="zh-CN" altLang="en-US" dirty="0"/>
+              <a:t> </a:t>
+            </a:r>
+            <a:r>
+              <a:rPr lang="en" altLang="zh-CN" dirty="0"/>
+              <a:t>Monotonically</a:t>
+            </a:r>
+            <a:r>
+              <a:rPr lang="en-US" altLang="zh-CN" dirty="0"/>
+              <a:t>.</a:t>
+            </a:r>
+            <a:r>
+              <a:rPr lang="zh-CN" altLang="en-US" dirty="0"/>
+              <a:t> </a:t>
+            </a:r>
+            <a:endParaRPr lang="en-US" altLang="zh-CN" dirty="0"/>
+          </a:p>
+          <a:p>
+            <a:pPr marL="285750" indent="-285750">
+              <a:buFont typeface="Wingdings" pitchFamily="2" charset="2"/>
+              <a:buChar char="l"/>
+            </a:pPr>
+            <a:r>
+              <a:rPr lang="en-US" altLang="zh-CN" dirty="0"/>
+              <a:t>Based</a:t>
+            </a:r>
+            <a:r>
+              <a:rPr lang="zh-CN" altLang="en-US" dirty="0"/>
+              <a:t> </a:t>
+            </a:r>
+            <a:r>
+              <a:rPr lang="en-US" altLang="zh-CN" dirty="0"/>
+              <a:t>on</a:t>
+            </a:r>
+            <a:r>
+              <a:rPr lang="zh-CN" altLang="en-US" dirty="0"/>
+              <a:t> </a:t>
+            </a:r>
+            <a:r>
+              <a:rPr lang="en-US" altLang="zh-CN" dirty="0"/>
+              <a:t>that,</a:t>
+            </a:r>
+            <a:r>
+              <a:rPr lang="zh-CN" altLang="en-US" dirty="0"/>
+              <a:t> </a:t>
+            </a:r>
+            <a:r>
+              <a:rPr lang="en-US" altLang="zh-CN" dirty="0"/>
+              <a:t>we</a:t>
+            </a:r>
+            <a:r>
+              <a:rPr lang="zh-CN" altLang="en-US" dirty="0"/>
+              <a:t> </a:t>
+            </a:r>
+            <a:r>
+              <a:rPr lang="en-US" altLang="zh-CN" dirty="0"/>
+              <a:t>need</a:t>
+            </a:r>
+            <a:r>
+              <a:rPr lang="zh-CN" altLang="en-US" dirty="0"/>
+              <a:t> </a:t>
+            </a:r>
+            <a:r>
+              <a:rPr lang="en-US" altLang="zh-CN" dirty="0"/>
+              <a:t>to</a:t>
+            </a:r>
+            <a:r>
+              <a:rPr lang="zh-CN" altLang="en-US" dirty="0"/>
+              <a:t> </a:t>
+            </a:r>
+            <a:r>
+              <a:rPr lang="en-US" altLang="zh-CN" dirty="0"/>
+              <a:t>revise</a:t>
+            </a:r>
+            <a:r>
+              <a:rPr lang="zh-CN" altLang="en-US" dirty="0"/>
+              <a:t> </a:t>
+            </a:r>
+            <a:r>
+              <a:rPr lang="en-US" altLang="zh-CN" dirty="0"/>
+              <a:t>our</a:t>
+            </a:r>
+            <a:r>
+              <a:rPr lang="zh-CN" altLang="en-US" dirty="0"/>
+              <a:t> </a:t>
+            </a:r>
+            <a:r>
+              <a:rPr lang="en-US" altLang="zh-CN" dirty="0"/>
+              <a:t>sort</a:t>
+            </a:r>
+            <a:r>
+              <a:rPr lang="zh-CN" altLang="en-US" dirty="0"/>
+              <a:t> </a:t>
+            </a:r>
+            <a:r>
+              <a:rPr lang="en-US" altLang="zh-CN" dirty="0"/>
+              <a:t>method</a:t>
+            </a:r>
+            <a:r>
+              <a:rPr lang="zh-CN" altLang="en-US" dirty="0"/>
+              <a:t> </a:t>
+            </a:r>
+            <a:r>
+              <a:rPr lang="en-US" altLang="zh-CN" dirty="0"/>
+              <a:t>to</a:t>
+            </a:r>
+            <a:r>
+              <a:rPr lang="zh-CN" altLang="en-US" dirty="0"/>
+              <a:t> </a:t>
+            </a:r>
+            <a:r>
+              <a:rPr lang="en-US" altLang="zh-CN" dirty="0"/>
+              <a:t>improve</a:t>
+            </a:r>
+            <a:r>
+              <a:rPr lang="zh-CN" altLang="en-US" dirty="0"/>
+              <a:t> </a:t>
+            </a:r>
+            <a:r>
+              <a:rPr lang="en-US" altLang="zh-CN" dirty="0"/>
+              <a:t>the</a:t>
+            </a:r>
+            <a:r>
+              <a:rPr lang="zh-CN" altLang="en-US" dirty="0"/>
+              <a:t> </a:t>
+            </a:r>
+            <a:r>
+              <a:rPr lang="en-US" altLang="zh-CN" dirty="0"/>
+              <a:t>performance.</a:t>
+            </a:r>
+            <a:r>
+              <a:rPr lang="zh-CN" altLang="en-US" dirty="0"/>
+              <a:t> </a:t>
+            </a:r>
+            <a:r>
+              <a:rPr kumimoji="1" lang="zh-CN" altLang="en-US" dirty="0"/>
+              <a:t> </a:t>
+            </a:r>
+            <a:r>
+              <a:rPr kumimoji="1" lang="en-US" altLang="zh-CN" dirty="0"/>
+              <a:t>Exp:</a:t>
+            </a:r>
+            <a:r>
+              <a:rPr kumimoji="1" lang="zh-CN" altLang="en-US" dirty="0"/>
+              <a:t> </a:t>
+            </a:r>
+            <a:r>
+              <a:rPr kumimoji="1" lang="en-US" altLang="zh-CN" dirty="0"/>
+              <a:t>we</a:t>
+            </a:r>
+            <a:r>
+              <a:rPr kumimoji="1" lang="zh-CN" altLang="en-US" dirty="0"/>
+              <a:t> </a:t>
+            </a:r>
+            <a:r>
+              <a:rPr kumimoji="1" lang="en-US" altLang="zh-CN" dirty="0"/>
+              <a:t>can</a:t>
+            </a:r>
+            <a:r>
+              <a:rPr kumimoji="1" lang="zh-CN" altLang="en-US" dirty="0"/>
+              <a:t> </a:t>
+            </a:r>
+            <a:r>
+              <a:rPr kumimoji="1" lang="en-US" altLang="zh-CN" dirty="0"/>
+              <a:t>consider</a:t>
+            </a:r>
+            <a:r>
+              <a:rPr kumimoji="1" lang="zh-CN" altLang="en-US" dirty="0"/>
+              <a:t> </a:t>
+            </a:r>
+            <a:r>
+              <a:rPr kumimoji="1" lang="en-US" altLang="zh-CN" dirty="0"/>
+              <a:t>use</a:t>
+            </a:r>
+            <a:r>
+              <a:rPr kumimoji="1" lang="zh-CN" altLang="en-US" dirty="0"/>
+              <a:t> </a:t>
+            </a:r>
+            <a:r>
+              <a:rPr kumimoji="1" lang="en-US" altLang="zh-CN" dirty="0"/>
+              <a:t>the</a:t>
+            </a:r>
+            <a:r>
+              <a:rPr kumimoji="1" lang="zh-CN" altLang="en-US" dirty="0"/>
+              <a:t> </a:t>
+            </a:r>
+            <a:r>
+              <a:rPr kumimoji="1" lang="en-US" altLang="zh-CN" dirty="0"/>
+              <a:t>distance to</a:t>
+            </a:r>
+            <a:r>
+              <a:rPr kumimoji="1" lang="zh-CN" altLang="en-US" dirty="0"/>
+              <a:t> </a:t>
+            </a:r>
+            <a:r>
+              <a:rPr kumimoji="1" lang="en-US" altLang="zh-CN" dirty="0"/>
+              <a:t>mean</a:t>
+            </a:r>
+            <a:r>
+              <a:rPr kumimoji="1" lang="zh-CN" altLang="en-US" dirty="0"/>
+              <a:t> </a:t>
+            </a:r>
+            <a:r>
+              <a:rPr kumimoji="1" lang="en-US" altLang="zh-CN" dirty="0"/>
+              <a:t>factors.</a:t>
+            </a:r>
+            <a:endParaRPr kumimoji="1" lang="zh-CN" altLang="en-US" dirty="0"/>
+          </a:p>
+        </p:txBody>
+      </p:sp>
+    </p:spTree>
+  </p:cSld>
+  <p:clrMapOvr>
+    <a:masterClrMapping/>
+  </p:clrMapOvr>
+</p:sld>
+</file>
+
 <file path=ppt/slides/slide2.xml><?xml version="1.0" encoding="utf-8"?>
 <p:sld xmlns:a="http://schemas.openxmlformats.org/drawingml/2006/main" xmlns:r="http://schemas.openxmlformats.org/officeDocument/2006/relationships" xmlns:p="http://schemas.openxmlformats.org/presentationml/2006/main">
   <p:cSld>
@@ -8431,7 +9252,7 @@
         </p:nvSpPr>
         <p:spPr>
           <a:xfrm>
-            <a:off x="729450" y="1318650"/>
+            <a:off x="727650" y="683707"/>
             <a:ext cx="7688700" cy="535200"/>
           </a:xfrm>
           <a:prstGeom prst="rect">
@@ -8454,10 +9275,26 @@
               <a:buNone/>
             </a:pPr>
             <a:r>
-              <a:rPr lang="zh-CN"/>
-              <a:t>Data We Used</a:t>
-            </a:r>
-            <a:endParaRPr/>
+              <a:rPr lang="en-US" altLang="zh-CN" dirty="0"/>
+              <a:t>Factors</a:t>
+            </a:r>
+            <a:r>
+              <a:rPr lang="zh-CN" dirty="0"/>
+              <a:t> </a:t>
+            </a:r>
+            <a:r>
+              <a:rPr lang="en-US" altLang="zh-CN" dirty="0"/>
+              <a:t>We</a:t>
+            </a:r>
+            <a:r>
+              <a:rPr lang="zh-CN" altLang="en-US" dirty="0"/>
+              <a:t> </a:t>
+            </a:r>
+            <a:r>
+              <a:rPr lang="en-US" altLang="zh-CN" dirty="0"/>
+              <a:t>Have</a:t>
+            </a:r>
+            <a:endParaRPr dirty="0"/>
           </a:p>
         </p:txBody>
       </p:sp>
@@ -8473,7 +9310,7 @@
         </p:nvSpPr>
         <p:spPr>
           <a:xfrm>
-            <a:off x="729450" y="2078875"/>
+            <a:off x="727650" y="1303021"/>
             <a:ext cx="7688700" cy="2261100"/>
           </a:xfrm>
           <a:prstGeom prst="rect">
@@ -8486,19 +9323,30 @@
           </a:bodyPr>
           <a:lstStyle/>
           <a:p>
-            <a:pPr marL="457200" lvl="0" indent="-311150" algn="l" rtl="0">
-              <a:spcBef>
-                <a:spcPts val="0"/>
-              </a:spcBef>
-              <a:spcAft>
-                <a:spcPts val="0"/>
-              </a:spcAft>
-              <a:buSzPts val="1300"/>
-              <a:buChar char="●"/>
+            <a:pPr indent="-304800">
+              <a:lnSpc>
+                <a:spcPct val="100000"/>
+              </a:lnSpc>
+              <a:buClr>
+                <a:srgbClr val="2D3B45"/>
+              </a:buClr>
+              <a:buSzPts val="1200"/>
             </a:pPr>
             <a:r>
               <a:rPr lang="zh-CN" dirty="0"/>
-              <a:t>Monthly stock prices and Quarterly stock prices of 380 companies in the  </a:t>
+              <a:t>Facto</a:t>
+            </a:r>
+            <a:r>
+              <a:rPr lang="en-US" altLang="zh-CN" dirty="0"/>
+              <a:t>r</a:t>
+            </a:r>
+            <a:r>
+              <a:rPr lang="zh-CN" altLang="en-US" dirty="0"/>
+              <a:t> </a:t>
+            </a:r>
+            <a:r>
+              <a:rPr lang="en-US" altLang="zh-CN" dirty="0"/>
+              <a:t>pool</a:t>
             </a:r>
             <a:r>
               <a:rPr lang="zh-CN" sz="1200" b="1" dirty="0">
@@ -8509,9 +9357,42 @@
                   <a:srgbClr val="FFFFFF"/>
                 </a:highlight>
               </a:rPr>
-              <a:t>MSCI US IMI Health Care 25/50 Index from 2009.01.01 to 2019.11.01</a:t>
-            </a:r>
-            <a:endParaRPr sz="1200" b="1" dirty="0">
+              <a:t>:   </a:t>
+            </a:r>
+            <a:r>
+              <a:rPr lang="zh-CN" altLang="en-US" sz="1200" b="1" dirty="0">
+                <a:solidFill>
+                  <a:srgbClr val="2D3B45"/>
+                </a:solidFill>
+                <a:highlight>
+                  <a:srgbClr val="FFFFFF"/>
+                </a:highlight>
+              </a:rPr>
+              <a:t>（</a:t>
+            </a:r>
+            <a:r>
+              <a:rPr lang="en-US" altLang="zh-CN" sz="1200" b="1" dirty="0">
+                <a:solidFill>
+                  <a:srgbClr val="2D3B45"/>
+                </a:solidFill>
+                <a:highlight>
+                  <a:srgbClr val="FFFFFF"/>
+                </a:highlight>
+              </a:rPr>
+              <a:t>frequency = Quarterly</a:t>
+            </a:r>
+            <a:r>
+              <a:rPr lang="zh-CN" altLang="en-US" sz="1200" b="1" dirty="0">
+                <a:solidFill>
+                  <a:srgbClr val="2D3B45"/>
+                </a:solidFill>
+                <a:highlight>
+                  <a:srgbClr val="FFFFFF"/>
+                </a:highlight>
+              </a:rPr>
+              <a:t>）</a:t>
+            </a:r>
+            <a:endParaRPr lang="en-US" altLang="zh-CN" sz="1200" b="1" dirty="0">
               <a:solidFill>
                 <a:srgbClr val="2D3B45"/>
               </a:solidFill>
@@ -8521,21 +9402,20 @@
             </a:endParaRPr>
           </a:p>
           <a:p>
-            <a:pPr indent="-304800">
+            <a:pPr lvl="2" indent="-304800">
               <a:lnSpc>
                 <a:spcPct val="100000"/>
               </a:lnSpc>
+              <a:spcBef>
+                <a:spcPts val="400"/>
+              </a:spcBef>
               <a:buClr>
                 <a:srgbClr val="2D3B45"/>
               </a:buClr>
               <a:buSzPts val="1200"/>
             </a:pPr>
             <a:r>
-              <a:rPr lang="zh-CN" dirty="0"/>
-              <a:t>Factor</a:t>
-            </a:r>
-            <a:r>
-              <a:rPr lang="zh-CN" sz="1200" b="1" dirty="0">
+              <a:rPr lang="zh-CN" altLang="zh-CN" sz="1000" b="1" dirty="0">
                 <a:solidFill>
                   <a:srgbClr val="2D3B45"/>
                 </a:solidFill>
@@ -8543,10 +9423,10 @@
                   <a:srgbClr val="FFFFFF"/>
                 </a:highlight>
               </a:rPr>
-              <a:t>:   Return-On-Equity (ROE)</a:t>
-            </a:r>
-            <a:r>
-              <a:rPr lang="zh-CN" altLang="en-US" sz="1200" b="1" dirty="0">
+              <a:t>Return-On-Equity (ROE)</a:t>
+            </a:r>
+            <a:r>
+              <a:rPr lang="zh-CN" altLang="en-US" sz="1000" b="1" dirty="0">
                 <a:solidFill>
                   <a:srgbClr val="2D3B45"/>
                 </a:solidFill>
@@ -8554,108 +9434,9 @@
                   <a:srgbClr val="FFFFFF"/>
                 </a:highlight>
               </a:rPr>
-              <a:t>     </a:t>
-            </a:r>
-            <a:r>
-              <a:rPr lang="en-US" altLang="zh-CN" sz="1200" b="1" dirty="0">
-                <a:solidFill>
-                  <a:srgbClr val="2D3B45"/>
-                </a:solidFill>
-                <a:highlight>
-                  <a:srgbClr val="FFFFFF"/>
-                </a:highlight>
-              </a:rPr>
-              <a:t>(primary)</a:t>
-            </a:r>
-          </a:p>
-          <a:p>
-            <a:pPr lvl="2" indent="-304800">
-              <a:spcBef>
-                <a:spcPts val="1000"/>
-              </a:spcBef>
-              <a:buClr>
-                <a:srgbClr val="2D3B45"/>
-              </a:buClr>
-              <a:buSzPts val="1200"/>
-            </a:pPr>
-            <a:r>
-              <a:rPr lang="zh-CN" altLang="zh-CN" sz="1200" b="1" dirty="0">
-                <a:solidFill>
-                  <a:srgbClr val="2D3B45"/>
-                </a:solidFill>
-                <a:highlight>
-                  <a:srgbClr val="FFFFFF"/>
-                </a:highlight>
-              </a:rPr>
-              <a:t>Return-On-</a:t>
-            </a:r>
-            <a:r>
-              <a:rPr lang="en-US" altLang="zh-CN" sz="1200" b="1" dirty="0">
-                <a:solidFill>
-                  <a:srgbClr val="2D3B45"/>
-                </a:solidFill>
-                <a:highlight>
-                  <a:srgbClr val="FFFFFF"/>
-                </a:highlight>
-              </a:rPr>
-              <a:t>Assets</a:t>
-            </a:r>
-            <a:r>
-              <a:rPr lang="zh-CN" altLang="zh-CN" sz="1200" b="1" dirty="0">
-                <a:solidFill>
-                  <a:srgbClr val="2D3B45"/>
-                </a:solidFill>
-                <a:highlight>
-                  <a:srgbClr val="FFFFFF"/>
-                </a:highlight>
-              </a:rPr>
-              <a:t> (RO</a:t>
-            </a:r>
-            <a:r>
-              <a:rPr lang="en-US" altLang="zh-CN" sz="1200" b="1" dirty="0">
-                <a:solidFill>
-                  <a:srgbClr val="2D3B45"/>
-                </a:solidFill>
-                <a:highlight>
-                  <a:srgbClr val="FFFFFF"/>
-                </a:highlight>
-              </a:rPr>
-              <a:t>A</a:t>
-            </a:r>
-            <a:r>
-              <a:rPr lang="zh-CN" altLang="zh-CN" sz="1200" b="1" dirty="0">
-                <a:solidFill>
-                  <a:srgbClr val="2D3B45"/>
-                </a:solidFill>
-                <a:highlight>
-                  <a:srgbClr val="FFFFFF"/>
-                </a:highlight>
-              </a:rPr>
-              <a:t>)</a:t>
-            </a:r>
-            <a:r>
-              <a:rPr lang="zh-CN" altLang="en-US" sz="1200" b="1" dirty="0">
-                <a:solidFill>
-                  <a:srgbClr val="2D3B45"/>
-                </a:solidFill>
-                <a:highlight>
-                  <a:srgbClr val="FFFFFF"/>
-                </a:highlight>
-              </a:rPr>
-              <a:t>      </a:t>
-            </a:r>
-            <a:r>
-              <a:rPr lang="en-US" altLang="zh-CN" sz="1200" b="1" dirty="0">
-                <a:solidFill>
-                  <a:srgbClr val="2D3B45"/>
-                </a:solidFill>
-                <a:highlight>
-                  <a:srgbClr val="FFFFFF"/>
-                </a:highlight>
-              </a:rPr>
-              <a:t>Free-Cash-Flow</a:t>
-            </a:r>
-            <a:endParaRPr lang="en-US" sz="1200" b="1" dirty="0">
+              <a:t>    </a:t>
+            </a:r>
+            <a:endParaRPr lang="en-US" altLang="zh-CN" sz="1000" b="1" dirty="0">
               <a:solidFill>
                 <a:srgbClr val="2D3B45"/>
               </a:solidFill>
@@ -8665,21 +9446,17 @@
             </a:endParaRPr>
           </a:p>
           <a:p>
-            <a:pPr marL="1371600" lvl="2" indent="-304800" algn="l" rtl="0">
-              <a:spcBef>
-                <a:spcPts val="0"/>
-              </a:spcBef>
-              <a:spcAft>
-                <a:spcPts val="0"/>
-              </a:spcAft>
+            <a:pPr lvl="2" indent="-304800">
+              <a:spcBef>
+                <a:spcPts val="0"/>
+              </a:spcBef>
               <a:buClr>
                 <a:srgbClr val="2D3B45"/>
               </a:buClr>
               <a:buSzPts val="1200"/>
-              <a:buChar char="■"/>
             </a:pPr>
             <a:r>
-              <a:rPr lang="zh-CN" sz="1200" b="1" dirty="0">
+              <a:rPr lang="zh-CN" altLang="zh-CN" sz="1000" b="1" dirty="0">
                 <a:solidFill>
                   <a:srgbClr val="2D3B45"/>
                 </a:solidFill>
@@ -8687,9 +9464,303 @@
                   <a:srgbClr val="FFFFFF"/>
                 </a:highlight>
               </a:rPr>
-              <a:t>frequency = Quarterly</a:t>
-            </a:r>
-            <a:endParaRPr sz="1200" b="1" dirty="0">
+              <a:t>Return-On-</a:t>
+            </a:r>
+            <a:r>
+              <a:rPr lang="en-US" altLang="zh-CN" sz="1000" b="1" dirty="0">
+                <a:solidFill>
+                  <a:srgbClr val="2D3B45"/>
+                </a:solidFill>
+                <a:highlight>
+                  <a:srgbClr val="FFFFFF"/>
+                </a:highlight>
+              </a:rPr>
+              <a:t>Assets</a:t>
+            </a:r>
+            <a:r>
+              <a:rPr lang="zh-CN" altLang="zh-CN" sz="1000" b="1" dirty="0">
+                <a:solidFill>
+                  <a:srgbClr val="2D3B45"/>
+                </a:solidFill>
+                <a:highlight>
+                  <a:srgbClr val="FFFFFF"/>
+                </a:highlight>
+              </a:rPr>
+              <a:t> (RO</a:t>
+            </a:r>
+            <a:r>
+              <a:rPr lang="en-US" altLang="zh-CN" sz="1000" b="1" dirty="0">
+                <a:solidFill>
+                  <a:srgbClr val="2D3B45"/>
+                </a:solidFill>
+                <a:highlight>
+                  <a:srgbClr val="FFFFFF"/>
+                </a:highlight>
+              </a:rPr>
+              <a:t>A</a:t>
+            </a:r>
+            <a:r>
+              <a:rPr lang="zh-CN" altLang="zh-CN" sz="1000" b="1" dirty="0">
+                <a:solidFill>
+                  <a:srgbClr val="2D3B45"/>
+                </a:solidFill>
+                <a:highlight>
+                  <a:srgbClr val="FFFFFF"/>
+                </a:highlight>
+              </a:rPr>
+              <a:t>)</a:t>
+            </a:r>
+            <a:r>
+              <a:rPr lang="zh-CN" altLang="en-US" sz="1000" b="1" dirty="0">
+                <a:solidFill>
+                  <a:srgbClr val="2D3B45"/>
+                </a:solidFill>
+                <a:highlight>
+                  <a:srgbClr val="FFFFFF"/>
+                </a:highlight>
+              </a:rPr>
+              <a:t> </a:t>
+            </a:r>
+            <a:endParaRPr lang="en-US" altLang="zh-CN" sz="1000" b="1" dirty="0">
+              <a:solidFill>
+                <a:srgbClr val="2D3B45"/>
+              </a:solidFill>
+              <a:highlight>
+                <a:srgbClr val="FFFFFF"/>
+              </a:highlight>
+            </a:endParaRPr>
+          </a:p>
+          <a:p>
+            <a:pPr lvl="2" indent="-304800">
+              <a:spcBef>
+                <a:spcPts val="0"/>
+              </a:spcBef>
+              <a:buClr>
+                <a:srgbClr val="2D3B45"/>
+              </a:buClr>
+              <a:buSzPts val="1200"/>
+            </a:pPr>
+            <a:r>
+              <a:rPr lang="en-US" altLang="zh-CN" sz="1000" b="1" dirty="0">
+                <a:solidFill>
+                  <a:srgbClr val="2D3B45"/>
+                </a:solidFill>
+                <a:highlight>
+                  <a:srgbClr val="FFFFFF"/>
+                </a:highlight>
+              </a:rPr>
+              <a:t>Free-Cash-Flow</a:t>
+            </a:r>
+          </a:p>
+          <a:p>
+            <a:pPr lvl="2" indent="-304800">
+              <a:spcBef>
+                <a:spcPts val="0"/>
+              </a:spcBef>
+              <a:buClr>
+                <a:srgbClr val="2D3B45"/>
+              </a:buClr>
+              <a:buSzPts val="1200"/>
+            </a:pPr>
+            <a:r>
+              <a:rPr lang="en" altLang="zh-CN" dirty="0">
+                <a:highlight>
+                  <a:srgbClr val="FFFFFF"/>
+                </a:highlight>
+              </a:rPr>
+              <a:t>current-ratio</a:t>
+            </a:r>
+            <a:endParaRPr lang="en" altLang="zh-CN" sz="1000" dirty="0">
+              <a:highlight>
+                <a:srgbClr val="FFFFFF"/>
+              </a:highlight>
+            </a:endParaRPr>
+          </a:p>
+          <a:p>
+            <a:pPr lvl="2" indent="-304800">
+              <a:spcBef>
+                <a:spcPts val="0"/>
+              </a:spcBef>
+              <a:buClr>
+                <a:srgbClr val="2D3B45"/>
+              </a:buClr>
+              <a:buSzPts val="1200"/>
+            </a:pPr>
+            <a:r>
+              <a:rPr lang="en" altLang="zh-CN" dirty="0">
+                <a:highlight>
+                  <a:srgbClr val="FFFFFF"/>
+                </a:highlight>
+              </a:rPr>
+              <a:t>long-term-debt-capital</a:t>
+            </a:r>
+            <a:endParaRPr lang="en" altLang="zh-CN" sz="1000" dirty="0">
+              <a:highlight>
+                <a:srgbClr val="FFFFFF"/>
+              </a:highlight>
+            </a:endParaRPr>
+          </a:p>
+          <a:p>
+            <a:pPr lvl="2" indent="-304800">
+              <a:spcBef>
+                <a:spcPts val="0"/>
+              </a:spcBef>
+              <a:buClr>
+                <a:srgbClr val="2D3B45"/>
+              </a:buClr>
+              <a:buSzPts val="1200"/>
+            </a:pPr>
+            <a:r>
+              <a:rPr lang="en" altLang="zh-CN" dirty="0">
+                <a:highlight>
+                  <a:srgbClr val="FFFFFF"/>
+                </a:highlight>
+              </a:rPr>
+              <a:t>debt-equity-ratio</a:t>
+            </a:r>
+            <a:endParaRPr lang="en" altLang="zh-CN" sz="1000" dirty="0">
+              <a:highlight>
+                <a:srgbClr val="FFFFFF"/>
+              </a:highlight>
+            </a:endParaRPr>
+          </a:p>
+          <a:p>
+            <a:pPr lvl="2" indent="-304800">
+              <a:spcBef>
+                <a:spcPts val="0"/>
+              </a:spcBef>
+              <a:buClr>
+                <a:srgbClr val="2D3B45"/>
+              </a:buClr>
+              <a:buSzPts val="1200"/>
+            </a:pPr>
+            <a:r>
+              <a:rPr lang="en" altLang="zh-CN" dirty="0">
+                <a:highlight>
+                  <a:srgbClr val="FFFFFF"/>
+                </a:highlight>
+              </a:rPr>
+              <a:t>gross-margin</a:t>
+            </a:r>
+          </a:p>
+          <a:p>
+            <a:pPr lvl="2" indent="-304800">
+              <a:spcBef>
+                <a:spcPts val="0"/>
+              </a:spcBef>
+              <a:buClr>
+                <a:srgbClr val="2D3B45"/>
+              </a:buClr>
+              <a:buSzPts val="1200"/>
+            </a:pPr>
+            <a:r>
+              <a:rPr lang="en" altLang="zh-CN" dirty="0"/>
+              <a:t>operating-margin</a:t>
+            </a:r>
+            <a:endParaRPr lang="en" altLang="zh-CN" sz="1000" dirty="0"/>
+          </a:p>
+          <a:p>
+            <a:pPr lvl="2" indent="-304800">
+              <a:spcBef>
+                <a:spcPts val="0"/>
+              </a:spcBef>
+              <a:buClr>
+                <a:srgbClr val="2D3B45"/>
+              </a:buClr>
+              <a:buSzPts val="1200"/>
+            </a:pPr>
+            <a:r>
+              <a:rPr lang="en" altLang="zh-CN" dirty="0" err="1"/>
+              <a:t>ebit</a:t>
+            </a:r>
+            <a:r>
+              <a:rPr lang="en" altLang="zh-CN" dirty="0"/>
+              <a:t>-margin</a:t>
+            </a:r>
+            <a:endParaRPr lang="en" altLang="zh-CN" sz="1000" dirty="0"/>
+          </a:p>
+          <a:p>
+            <a:pPr lvl="2" indent="-304800">
+              <a:spcBef>
+                <a:spcPts val="0"/>
+              </a:spcBef>
+              <a:buClr>
+                <a:srgbClr val="2D3B45"/>
+              </a:buClr>
+              <a:buSzPts val="1200"/>
+            </a:pPr>
+            <a:r>
+              <a:rPr lang="en" altLang="zh-CN" dirty="0"/>
+              <a:t>pre-tax-profit-margin</a:t>
+            </a:r>
+          </a:p>
+          <a:p>
+            <a:pPr lvl="2" indent="-304800">
+              <a:spcBef>
+                <a:spcPts val="0"/>
+              </a:spcBef>
+              <a:buClr>
+                <a:srgbClr val="2D3B45"/>
+              </a:buClr>
+              <a:buSzPts val="1200"/>
+            </a:pPr>
+            <a:r>
+              <a:rPr lang="en" altLang="zh-CN" dirty="0"/>
+              <a:t>asset-turnover</a:t>
+            </a:r>
+            <a:endParaRPr lang="en" altLang="zh-CN" sz="1000" dirty="0"/>
+          </a:p>
+          <a:p>
+            <a:pPr lvl="2" indent="-304800">
+              <a:spcBef>
+                <a:spcPts val="0"/>
+              </a:spcBef>
+              <a:buClr>
+                <a:srgbClr val="2D3B45"/>
+              </a:buClr>
+              <a:buSzPts val="1200"/>
+            </a:pPr>
+            <a:r>
+              <a:rPr lang="en" altLang="zh-CN" dirty="0"/>
+              <a:t>inventory-turnover</a:t>
+            </a:r>
+            <a:endParaRPr lang="en" altLang="zh-CN" sz="1000" dirty="0"/>
+          </a:p>
+          <a:p>
+            <a:pPr lvl="2" indent="-304800">
+              <a:spcBef>
+                <a:spcPts val="0"/>
+              </a:spcBef>
+              <a:buClr>
+                <a:srgbClr val="2D3B45"/>
+              </a:buClr>
+              <a:buSzPts val="1200"/>
+            </a:pPr>
+            <a:r>
+              <a:rPr lang="en" altLang="zh-CN" dirty="0" err="1"/>
+              <a:t>receiveable</a:t>
+            </a:r>
+            <a:r>
+              <a:rPr lang="en" altLang="zh-CN" dirty="0"/>
+              <a:t>-turnover</a:t>
+            </a:r>
+            <a:endParaRPr lang="en" altLang="zh-CN" sz="1000" dirty="0"/>
+          </a:p>
+          <a:p>
+            <a:pPr lvl="2" indent="-304800">
+              <a:spcBef>
+                <a:spcPts val="0"/>
+              </a:spcBef>
+              <a:buClr>
+                <a:srgbClr val="2D3B45"/>
+              </a:buClr>
+              <a:buSzPts val="1200"/>
+            </a:pPr>
+            <a:r>
+              <a:rPr lang="en-US" altLang="zh-CN" sz="1000" dirty="0"/>
+              <a:t>…</a:t>
+            </a:r>
+            <a:endParaRPr lang="en" sz="1000" b="1" dirty="0">
               <a:solidFill>
                 <a:srgbClr val="2D3B45"/>
               </a:solidFill>
@@ -8709,7 +9780,7 @@
               <a:buNone/>
             </a:pPr>
             <a:r>
-              <a:rPr lang="zh-CN" sz="1200" b="1" dirty="0">
+              <a:rPr lang="en" altLang="zh-CN" sz="1200" b="1" dirty="0">
                 <a:solidFill>
                   <a:srgbClr val="2D3B45"/>
                 </a:solidFill>
@@ -8717,10 +9788,54 @@
                   <a:srgbClr val="FFFFFF"/>
                 </a:highlight>
               </a:rPr>
-              <a:t>Resource of fatcor: webscrape from macrotrends </a:t>
-            </a:r>
-            <a:r>
-              <a:rPr lang="zh-CN" sz="1200" b="1" u="sng" dirty="0">
+              <a:t>Resource of </a:t>
+            </a:r>
+            <a:r>
+              <a:rPr lang="en" altLang="zh-CN" sz="1200" b="1" dirty="0" err="1">
+                <a:solidFill>
+                  <a:srgbClr val="2D3B45"/>
+                </a:solidFill>
+                <a:highlight>
+                  <a:srgbClr val="FFFFFF"/>
+                </a:highlight>
+              </a:rPr>
+              <a:t>fatcor</a:t>
+            </a:r>
+            <a:r>
+              <a:rPr lang="en" altLang="zh-CN" sz="1200" b="1" dirty="0">
+                <a:solidFill>
+                  <a:srgbClr val="2D3B45"/>
+                </a:solidFill>
+                <a:highlight>
+                  <a:srgbClr val="FFFFFF"/>
+                </a:highlight>
+              </a:rPr>
+              <a:t>: </a:t>
+            </a:r>
+            <a:r>
+              <a:rPr lang="en" altLang="zh-CN" sz="1200" b="1" dirty="0" err="1">
+                <a:solidFill>
+                  <a:srgbClr val="2D3B45"/>
+                </a:solidFill>
+                <a:highlight>
+                  <a:srgbClr val="FFFFFF"/>
+                </a:highlight>
+              </a:rPr>
+              <a:t>webscrape</a:t>
+            </a:r>
+            <a:r>
+              <a:rPr lang="en" altLang="zh-CN" sz="1200" b="1" dirty="0">
+                <a:solidFill>
+                  <a:srgbClr val="2D3B45"/>
+                </a:solidFill>
+                <a:highlight>
+                  <a:srgbClr val="FFFFFF"/>
+                </a:highlight>
+              </a:rPr>
+              <a:t> from macrotrends </a:t>
+            </a:r>
+            <a:r>
+              <a:rPr lang="en" altLang="zh-CN" sz="1200" b="1" u="sng" dirty="0">
                 <a:solidFill>
                   <a:schemeClr val="hlink"/>
                 </a:solidFill>
@@ -8731,37 +9846,7 @@
               </a:rPr>
               <a:t>https://www.macrotrends.net/stocks/charts/{symbol}/{company_name}/financial-ratios?freq=Q</a:t>
             </a:r>
-            <a:endParaRPr sz="1200" b="1" dirty="0">
-              <a:solidFill>
-                <a:srgbClr val="2D3B45"/>
-              </a:solidFill>
-              <a:highlight>
-                <a:srgbClr val="FFFFFF"/>
-              </a:highlight>
-            </a:endParaRPr>
-          </a:p>
-          <a:p>
-            <a:pPr marL="457200" lvl="0" indent="0" algn="l" rtl="0">
-              <a:spcBef>
-                <a:spcPts val="1600"/>
-              </a:spcBef>
-              <a:spcAft>
-                <a:spcPts val="1600"/>
-              </a:spcAft>
-              <a:buNone/>
-            </a:pPr>
-            <a:r>
-              <a:rPr lang="zh-CN" sz="1200" b="1" dirty="0">
-                <a:solidFill>
-                  <a:srgbClr val="2D3B45"/>
-                </a:solidFill>
-                <a:highlight>
-                  <a:srgbClr val="FFFFFF"/>
-                </a:highlight>
-              </a:rPr>
-              <a:t>(Data for factor is attached)</a:t>
-            </a:r>
-            <a:endParaRPr sz="1200" b="1" dirty="0">
+            <a:endParaRPr lang="en" sz="1200" b="1" dirty="0">
               <a:solidFill>
                 <a:srgbClr val="2D3B45"/>
               </a:solidFill>
@@ -8781,6 +9866,160 @@
 </file>
 
 <file path=ppt/slides/slide3.xml><?xml version="1.0" encoding="utf-8"?>
+<p:sld xmlns:a="http://schemas.openxmlformats.org/drawingml/2006/main" xmlns:r="http://schemas.openxmlformats.org/officeDocument/2006/relationships" xmlns:p="http://schemas.openxmlformats.org/presentationml/2006/main">
+  <p:cSld>
+    <p:spTree>
+      <p:nvGrpSpPr>
+        <p:cNvPr id="1" name=""/>
+        <p:cNvGrpSpPr/>
+        <p:nvPr/>
+      </p:nvGrpSpPr>
+      <p:grpSpPr>
+        <a:xfrm>
+          <a:off x="0" y="0"/>
+          <a:ext cx="0" cy="0"/>
+          <a:chOff x="0" y="0"/>
+          <a:chExt cx="0" cy="0"/>
+        </a:xfrm>
+      </p:grpSpPr>
+      <p:sp>
+        <p:nvSpPr>
+          <p:cNvPr id="2" name="Title 1">
+            <a:extLst>
+              <a:ext uri="{FF2B5EF4-FFF2-40B4-BE49-F238E27FC236}">
+                <a16:creationId xmlns:a16="http://schemas.microsoft.com/office/drawing/2014/main" id="{316EBDFA-34C8-4272-84E4-F5FF4B9FCE9B}"/>
+              </a:ext>
+            </a:extLst>
+          </p:cNvPr>
+          <p:cNvSpPr>
+            <a:spLocks noGrp="1"/>
+          </p:cNvSpPr>
+          <p:nvPr>
+            <p:ph type="title"/>
+          </p:nvPr>
+        </p:nvSpPr>
+        <p:spPr/>
+        <p:txBody>
+          <a:bodyPr/>
+          <a:lstStyle/>
+          <a:p>
+            <a:r>
+              <a:rPr lang="en-US" dirty="0"/>
+              <a:t>Combine the factors</a:t>
+            </a:r>
+          </a:p>
+        </p:txBody>
+      </p:sp>
+      <p:sp>
+        <p:nvSpPr>
+          <p:cNvPr id="3" name="Text Placeholder 2">
+            <a:extLst>
+              <a:ext uri="{FF2B5EF4-FFF2-40B4-BE49-F238E27FC236}">
+                <a16:creationId xmlns:a16="http://schemas.microsoft.com/office/drawing/2014/main" id="{11AE048D-ED1E-4B34-883C-8C0EA929D9AB}"/>
+              </a:ext>
+            </a:extLst>
+          </p:cNvPr>
+          <p:cNvSpPr>
+            <a:spLocks noGrp="1"/>
+          </p:cNvSpPr>
+          <p:nvPr>
+            <p:ph type="body" idx="1"/>
+          </p:nvPr>
+        </p:nvSpPr>
+        <p:spPr/>
+        <p:txBody>
+          <a:bodyPr/>
+          <a:lstStyle/>
+          <a:p>
+            <a:pPr marL="146050" indent="0">
+              <a:buNone/>
+            </a:pPr>
+            <a:r>
+              <a:rPr lang="en" altLang="zh-CN" sz="1400" b="1" dirty="0">
+                <a:solidFill>
+                  <a:schemeClr val="bg2"/>
+                </a:solidFill>
+              </a:rPr>
+              <a:t>The last parameter of function "Platform" will receive a function object, which will generate a new factor from several existed factors</a:t>
+            </a:r>
+            <a:r>
+              <a:rPr lang="en-US" altLang="zh-CN" sz="1400" b="1" dirty="0">
+                <a:solidFill>
+                  <a:schemeClr val="bg2"/>
+                </a:solidFill>
+              </a:rPr>
+              <a:t>.</a:t>
+            </a:r>
+          </a:p>
+          <a:p>
+            <a:pPr marL="146050" indent="0">
+              <a:buNone/>
+            </a:pPr>
+            <a:endParaRPr lang="en-US" altLang="zh-CN" sz="1400" b="1" dirty="0">
+              <a:solidFill>
+                <a:schemeClr val="bg2"/>
+              </a:solidFill>
+            </a:endParaRPr>
+          </a:p>
+          <a:p>
+            <a:pPr marL="146050" indent="0">
+              <a:buNone/>
+            </a:pPr>
+            <a:r>
+              <a:rPr lang="en-US" altLang="zh-CN" sz="1400" b="1" dirty="0">
+                <a:solidFill>
+                  <a:schemeClr val="bg2"/>
+                </a:solidFill>
+              </a:rPr>
+              <a:t>By trying out different new factors that derived from base factors, we can try many ideas as we want and we can give the relatively better combinations.</a:t>
+            </a:r>
+          </a:p>
+          <a:p>
+            <a:pPr marL="146050" indent="0">
+              <a:buNone/>
+            </a:pPr>
+            <a:endParaRPr lang="en-US" altLang="zh-CN" sz="1400" b="1" dirty="0">
+              <a:solidFill>
+                <a:schemeClr val="bg2"/>
+              </a:solidFill>
+            </a:endParaRPr>
+          </a:p>
+          <a:p>
+            <a:pPr marL="146050" indent="0">
+              <a:buNone/>
+            </a:pPr>
+            <a:r>
+              <a:rPr lang="en-US" altLang="zh-CN" sz="1400" b="1" dirty="0">
+                <a:solidFill>
+                  <a:schemeClr val="bg2"/>
+                </a:solidFill>
+              </a:rPr>
+              <a:t>We can also add new base factors into our pool to improve the performance of old factors.</a:t>
+            </a:r>
+            <a:endParaRPr lang="en-US" dirty="0"/>
+          </a:p>
+          <a:p>
+            <a:pPr marL="146050" indent="0">
+              <a:buNone/>
+            </a:pPr>
+            <a:endParaRPr lang="en-US" dirty="0"/>
+          </a:p>
+        </p:txBody>
+      </p:sp>
+    </p:spTree>
+    <p:extLst>
+      <p:ext uri="{BB962C8B-B14F-4D97-AF65-F5344CB8AC3E}">
+        <p14:creationId xmlns:p14="http://schemas.microsoft.com/office/powerpoint/2010/main" val="2837180360"/>
+      </p:ext>
+    </p:extLst>
+  </p:cSld>
+  <p:clrMapOvr>
+    <a:masterClrMapping/>
+  </p:clrMapOvr>
+</p:sld>
+</file>
+
+<file path=ppt/slides/slide4.xml><?xml version="1.0" encoding="utf-8"?>
 <p:sld xmlns:a="http://schemas.openxmlformats.org/drawingml/2006/main" xmlns:r="http://schemas.openxmlformats.org/officeDocument/2006/relationships" xmlns:p="http://schemas.openxmlformats.org/presentationml/2006/main">
   <p:cSld>
     <p:spTree>
@@ -8836,7 +10075,7 @@
             </a:pPr>
             <a:r>
               <a:rPr lang="en-US" altLang="zh-CN" dirty="0"/>
-              <a:t>Pre</a:t>
+              <a:t>Preprocess on</a:t>
             </a:r>
             <a:r>
               <a:rPr lang="zh-CN" altLang="en-US" dirty="0"/>
@@ -8844,7 +10083,7 @@
             </a:r>
             <a:r>
               <a:rPr lang="en-US" altLang="zh-CN" dirty="0"/>
-              <a:t>Procession </a:t>
+              <a:t>Factor</a:t>
             </a:r>
             <a:endParaRPr dirty="0"/>
           </a:p>
@@ -9007,6 +10246,54 @@
                   <a:buChar char="●"/>
                 </a:pPr>
                 <a:r>
+                  <a:rPr lang="en-US" altLang="zh-CN" sz="1400" b="1" dirty="0">
+                    <a:solidFill>
+                      <a:schemeClr val="dk2"/>
+                    </a:solidFill>
+                    <a:latin typeface="Raleway"/>
+                    <a:ea typeface="Raleway"/>
+                    <a:cs typeface="Raleway"/>
+                    <a:sym typeface="Raleway"/>
+                  </a:rPr>
+                  <a:t>Build</a:t>
+                </a:r>
+                <a:r>
+                  <a:rPr lang="zh-CN" altLang="en-US" sz="1400" b="1" dirty="0">
+                    <a:solidFill>
+                      <a:schemeClr val="dk2"/>
+                    </a:solidFill>
+                    <a:latin typeface="Raleway"/>
+                    <a:ea typeface="Raleway"/>
+                    <a:cs typeface="Raleway"/>
+                    <a:sym typeface="Raleway"/>
+                  </a:rPr>
+                  <a:t> </a:t>
+                </a:r>
+                <a:r>
+                  <a:rPr lang="en-US" altLang="zh-CN" sz="1400" b="1" dirty="0">
+                    <a:solidFill>
+                      <a:schemeClr val="dk2"/>
+                    </a:solidFill>
+                    <a:latin typeface="Raleway"/>
+                    <a:ea typeface="Raleway"/>
+                    <a:cs typeface="Raleway"/>
+                    <a:sym typeface="Raleway"/>
+                  </a:rPr>
+                  <a:t>robust</a:t>
+                </a:r>
+                <a:r>
+                  <a:rPr lang="zh-CN" altLang="en-US" sz="1400" b="1" dirty="0">
+                    <a:solidFill>
+                      <a:schemeClr val="dk2"/>
+                    </a:solidFill>
+                    <a:latin typeface="Raleway"/>
+                    <a:ea typeface="Raleway"/>
+                    <a:cs typeface="Raleway"/>
+                    <a:sym typeface="Raleway"/>
+                  </a:rPr>
+                  <a:t> </a:t>
+                </a:r>
+                <a:r>
                   <a:rPr lang="en" altLang="zh-CN" sz="1400" b="1" dirty="0">
                     <a:solidFill>
                       <a:schemeClr val="dk2"/>
@@ -9016,8 +10303,47 @@
                     <a:cs typeface="Raleway"/>
                     <a:sym typeface="Raleway"/>
                   </a:rPr>
-                  <a:t>Process For Factor:</a:t>
+                  <a:t>Factor (</a:t>
                 </a:r>
+                <a:r>
+                  <a:rPr lang="en-US" altLang="zh-CN" sz="1400" b="1" dirty="0">
+                    <a:solidFill>
+                      <a:schemeClr val="dk2"/>
+                    </a:solidFill>
+                    <a:latin typeface="Raleway"/>
+                    <a:ea typeface="Raleway"/>
+                    <a:cs typeface="Raleway"/>
+                    <a:sym typeface="Raleway"/>
+                  </a:rPr>
+                  <a:t>example) </a:t>
+                </a:r>
+                <a:r>
+                  <a:rPr lang="en" altLang="zh-CN" sz="1400" b="1" dirty="0">
+                    <a:solidFill>
+                      <a:schemeClr val="dk2"/>
+                    </a:solidFill>
+                    <a:latin typeface="Raleway"/>
+                    <a:ea typeface="Raleway"/>
+                    <a:cs typeface="Raleway"/>
+                    <a:sym typeface="Raleway"/>
+                  </a:rPr>
+                  <a:t>:</a:t>
+                </a:r>
+              </a:p>
+              <a:p>
+                <a:pPr marL="457200" marR="0" lvl="0" indent="-317500" algn="l" rtl="0">
+                  <a:lnSpc>
+                    <a:spcPct val="115000"/>
+                  </a:lnSpc>
+                  <a:spcBef>
+                    <a:spcPts val="0"/>
+                  </a:spcBef>
+                  <a:spcAft>
+                    <a:spcPts val="0"/>
+                  </a:spcAft>
+                  <a:buSzPts val="1400"/>
+                  <a:buChar char="●"/>
+                </a:pPr>
                 <a:endParaRPr lang="en" sz="1400" b="1" dirty="0">
                   <a:solidFill>
                     <a:schemeClr val="dk2"/>
@@ -9292,6 +10618,48 @@
                   </a:rPr>
                   <a:t> </a:t>
                 </a:r>
+                <a:endParaRPr lang="en-US" altLang="zh-CN" sz="1400" b="1" dirty="0">
+                  <a:solidFill>
+                    <a:schemeClr val="dk2"/>
+                  </a:solidFill>
+                  <a:latin typeface="Raleway"/>
+                  <a:ea typeface="Raleway"/>
+                  <a:cs typeface="Raleway"/>
+                  <a:sym typeface="Raleway"/>
+                </a:endParaRPr>
+              </a:p>
+              <a:p>
+                <a:pPr marL="596900" lvl="1" indent="0">
+                  <a:spcBef>
+                    <a:spcPts val="0"/>
+                  </a:spcBef>
+                  <a:buClr>
+                    <a:schemeClr val="dk2"/>
+                  </a:buClr>
+                  <a:buSzPts val="1400"/>
+                  <a:buNone/>
+                </a:pPr>
+                <a:endParaRPr lang="en-US" altLang="zh-CN" dirty="0">
+                  <a:sym typeface="Raleway"/>
+                </a:endParaRPr>
+              </a:p>
+              <a:p>
+                <a:pPr marL="596900" marR="0" lvl="1" indent="0" algn="l" rtl="0">
+                  <a:lnSpc>
+                    <a:spcPct val="115000"/>
+                  </a:lnSpc>
+                  <a:spcBef>
+                    <a:spcPts val="0"/>
+                  </a:spcBef>
+                  <a:spcAft>
+                    <a:spcPts val="0"/>
+                  </a:spcAft>
+                  <a:buClr>
+                    <a:schemeClr val="dk2"/>
+                  </a:buClr>
+                  <a:buSzPts val="1400"/>
+                  <a:buNone/>
+                </a:pPr>
                 <a:endParaRPr lang="en-US" sz="1400" b="1" dirty="0">
                   <a:solidFill>
                     <a:schemeClr val="dk2"/>
@@ -9336,7 +10704,7 @@
               <a:lstStyle/>
               <a:p>
                 <a:r>
-                  <a:rPr lang="zh-CN" altLang="en-US">
+                  <a:rPr lang="en-US">
                     <a:noFill/>
                   </a:rPr>
                   <a:t> </a:t>
@@ -9354,7 +10722,7 @@
 </p:sld>
 </file>
 
-<file path=ppt/slides/slide4.xml><?xml version="1.0" encoding="utf-8"?>
+<file path=ppt/slides/slide5.xml><?xml version="1.0" encoding="utf-8"?>
 <p:sld xmlns:a="http://schemas.openxmlformats.org/drawingml/2006/main" xmlns:r="http://schemas.openxmlformats.org/officeDocument/2006/relationships" xmlns:p="http://schemas.openxmlformats.org/presentationml/2006/main">
   <p:cSld>
     <p:spTree>
@@ -9430,7 +10798,7 @@
         </p:nvGraphicFramePr>
         <p:xfrm>
           <a:off x="897080" y="1425158"/>
-          <a:ext cx="7688700" cy="3085635"/>
+          <a:ext cx="7688700" cy="3085698"/>
         </p:xfrm>
         <a:graphic>
           <a:graphicData uri="http://schemas.openxmlformats.org/drawingml/2006/table">
@@ -10218,7 +11586,7 @@
 </p:sld>
 </file>
 
-<file path=ppt/slides/slide5.xml><?xml version="1.0" encoding="utf-8"?>
+<file path=ppt/slides/slide6.xml><?xml version="1.0" encoding="utf-8"?>
 <p:sld xmlns:a="http://schemas.openxmlformats.org/drawingml/2006/main" xmlns:r="http://schemas.openxmlformats.org/officeDocument/2006/relationships" xmlns:p="http://schemas.openxmlformats.org/presentationml/2006/main">
   <p:cSld>
     <p:spTree>
@@ -10291,7 +11659,7 @@
         </p:nvGraphicFramePr>
         <p:xfrm>
           <a:off x="952500" y="2067500"/>
-          <a:ext cx="7239000" cy="2437905"/>
+          <a:ext cx="7239000" cy="2432825"/>
         </p:xfrm>
         <a:graphic>
           <a:graphicData uri="http://schemas.openxmlformats.org/drawingml/2006/table">
@@ -10822,7 +12190,7 @@
 </p:sld>
 </file>
 
-<file path=ppt/slides/slide6.xml><?xml version="1.0" encoding="utf-8"?>
+<file path=ppt/slides/slide7.xml><?xml version="1.0" encoding="utf-8"?>
 <p:sld xmlns:a="http://schemas.openxmlformats.org/drawingml/2006/main" xmlns:r="http://schemas.openxmlformats.org/officeDocument/2006/relationships" xmlns:p="http://schemas.openxmlformats.org/presentationml/2006/main">
   <p:cSld>
     <p:spTree>
@@ -10919,7 +12287,7 @@
 </p:sld>
 </file>
 
-<file path=ppt/slides/slide7.xml><?xml version="1.0" encoding="utf-8"?>
+<file path=ppt/slides/slide8.xml><?xml version="1.0" encoding="utf-8"?>
 <p:sld xmlns:a="http://schemas.openxmlformats.org/drawingml/2006/main" xmlns:r="http://schemas.openxmlformats.org/officeDocument/2006/relationships" xmlns:p="http://schemas.openxmlformats.org/presentationml/2006/main">
   <p:cSld>
     <p:spTree>
@@ -11383,7 +12751,7 @@
 </p:sld>
 </file>
 
-<file path=ppt/slides/slide8.xml><?xml version="1.0" encoding="utf-8"?>
+<file path=ppt/slides/slide9.xml><?xml version="1.0" encoding="utf-8"?>
 <p:sld xmlns:a="http://schemas.openxmlformats.org/drawingml/2006/main" xmlns:r="http://schemas.openxmlformats.org/officeDocument/2006/relationships" xmlns:p="http://schemas.openxmlformats.org/presentationml/2006/main">
   <p:cSld>
     <p:spTree>
@@ -11638,778 +13006,6 @@
         <p14:creationId xmlns:p14="http://schemas.microsoft.com/office/powerpoint/2010/main" val="3702445346"/>
       </p:ext>
     </p:extLst>
-  </p:cSld>
-  <p:clrMapOvr>
-    <a:masterClrMapping/>
-  </p:clrMapOvr>
-</p:sld>
-</file>
-
-<file path=ppt/slides/slide9.xml><?xml version="1.0" encoding="utf-8"?>
-<p:sld xmlns:a="http://schemas.openxmlformats.org/drawingml/2006/main" xmlns:r="http://schemas.openxmlformats.org/officeDocument/2006/relationships" xmlns:p="http://schemas.openxmlformats.org/presentationml/2006/main">
-  <p:cSld>
-    <p:spTree>
-      <p:nvGrpSpPr>
-        <p:cNvPr id="1" name="Shape 127"/>
-        <p:cNvGrpSpPr/>
-        <p:nvPr/>
-      </p:nvGrpSpPr>
-      <p:grpSpPr>
-        <a:xfrm>
-          <a:off x="0" y="0"/>
-          <a:ext cx="0" cy="0"/>
-          <a:chOff x="0" y="0"/>
-          <a:chExt cx="0" cy="0"/>
-        </a:xfrm>
-      </p:grpSpPr>
-      <p:sp>
-        <p:nvSpPr>
-          <p:cNvPr id="128" name="Google Shape;128;p20"/>
-          <p:cNvSpPr txBox="1">
-            <a:spLocks noGrp="1"/>
-          </p:cNvSpPr>
-          <p:nvPr>
-            <p:ph type="title"/>
-          </p:nvPr>
-        </p:nvSpPr>
-        <p:spPr>
-          <a:xfrm>
-            <a:off x="729450" y="1240225"/>
-            <a:ext cx="7688700" cy="535200"/>
-          </a:xfrm>
-          <a:prstGeom prst="rect">
-            <a:avLst/>
-          </a:prstGeom>
-        </p:spPr>
-        <p:txBody>
-          <a:bodyPr spcFirstLastPara="1" wrap="square" lIns="91425" tIns="91425" rIns="91425" bIns="91425" anchor="t" anchorCtr="0">
-            <a:noAutofit/>
-          </a:bodyPr>
-          <a:lstStyle/>
-          <a:p>
-            <a:pPr marL="0" marR="0" lvl="0" indent="0" algn="l" rtl="0">
-              <a:lnSpc>
-                <a:spcPct val="100000"/>
-              </a:lnSpc>
-              <a:spcBef>
-                <a:spcPts val="0"/>
-              </a:spcBef>
-              <a:spcAft>
-                <a:spcPts val="0"/>
-              </a:spcAft>
-              <a:buNone/>
-            </a:pPr>
-            <a:r>
-              <a:rPr lang="zh-CN"/>
-              <a:t> Conclusion of the summary findings</a:t>
-            </a:r>
-            <a:endParaRPr/>
-          </a:p>
-          <a:p>
-            <a:pPr marL="0" lvl="0" indent="0" algn="l" rtl="0">
-              <a:spcBef>
-                <a:spcPts val="0"/>
-              </a:spcBef>
-              <a:spcAft>
-                <a:spcPts val="0"/>
-              </a:spcAft>
-              <a:buNone/>
-            </a:pPr>
-            <a:endParaRPr/>
-          </a:p>
-        </p:txBody>
-      </p:sp>
-      <p:sp>
-        <p:nvSpPr>
-          <p:cNvPr id="129" name="Google Shape;129;p20"/>
-          <p:cNvSpPr txBox="1">
-            <a:spLocks noGrp="1"/>
-          </p:cNvSpPr>
-          <p:nvPr>
-            <p:ph type="body" idx="1"/>
-          </p:nvPr>
-        </p:nvSpPr>
-        <p:spPr>
-          <a:xfrm>
-            <a:off x="729450" y="2078875"/>
-            <a:ext cx="7688700" cy="2261100"/>
-          </a:xfrm>
-          <a:prstGeom prst="rect">
-            <a:avLst/>
-          </a:prstGeom>
-        </p:spPr>
-        <p:txBody>
-          <a:bodyPr spcFirstLastPara="1" wrap="square" lIns="91425" tIns="91425" rIns="91425" bIns="91425" anchor="t" anchorCtr="0">
-            <a:noAutofit/>
-          </a:bodyPr>
-          <a:lstStyle/>
-          <a:p>
-            <a:pPr marL="0" lvl="0" indent="0" algn="l" rtl="0">
-              <a:spcBef>
-                <a:spcPts val="900"/>
-              </a:spcBef>
-              <a:spcAft>
-                <a:spcPts val="0"/>
-              </a:spcAft>
-              <a:buNone/>
-            </a:pPr>
-            <a:endParaRPr sz="2400" b="1">
-              <a:solidFill>
-                <a:srgbClr val="2D3B45"/>
-              </a:solidFill>
-              <a:highlight>
-                <a:srgbClr val="FFFFFF"/>
-              </a:highlight>
-            </a:endParaRPr>
-          </a:p>
-          <a:p>
-            <a:pPr marL="0" lvl="0" indent="0" algn="l" rtl="0">
-              <a:spcBef>
-                <a:spcPts val="900"/>
-              </a:spcBef>
-              <a:spcAft>
-                <a:spcPts val="1600"/>
-              </a:spcAft>
-              <a:buNone/>
-            </a:pPr>
-            <a:endParaRPr/>
-          </a:p>
-        </p:txBody>
-      </p:sp>
-      <p:sp>
-        <p:nvSpPr>
-          <p:cNvPr id="2" name="文本框 1">
-            <a:extLst>
-              <a:ext uri="{FF2B5EF4-FFF2-40B4-BE49-F238E27FC236}">
-                <a16:creationId xmlns:a16="http://schemas.microsoft.com/office/drawing/2014/main" id="{7FD94001-FB03-ED43-AA02-5699C8A9247B}"/>
-              </a:ext>
-            </a:extLst>
-          </p:cNvPr>
-          <p:cNvSpPr txBox="1"/>
-          <p:nvPr/>
-        </p:nvSpPr>
-        <p:spPr>
-          <a:xfrm>
-            <a:off x="822037" y="1968038"/>
-            <a:ext cx="6982690" cy="1600438"/>
-          </a:xfrm>
-          <a:prstGeom prst="rect">
-            <a:avLst/>
-          </a:prstGeom>
-          <a:noFill/>
-        </p:spPr>
-        <p:txBody>
-          <a:bodyPr wrap="square" rtlCol="0">
-            <a:spAutoFit/>
-          </a:bodyPr>
-          <a:lstStyle/>
-          <a:p>
-            <a:pPr marL="285750" indent="-285750">
-              <a:buFont typeface="Wingdings" pitchFamily="2" charset="2"/>
-              <a:buChar char="l"/>
-            </a:pPr>
-            <a:r>
-              <a:rPr kumimoji="1" lang="en-US" altLang="zh-CN" dirty="0"/>
-              <a:t>As</a:t>
-            </a:r>
-            <a:r>
-              <a:rPr kumimoji="1" lang="zh-CN" altLang="en-US" dirty="0"/>
-              <a:t> </a:t>
-            </a:r>
-            <a:r>
-              <a:rPr kumimoji="1" lang="en-US" altLang="zh-CN" dirty="0"/>
-              <a:t>we</a:t>
-            </a:r>
-            <a:r>
-              <a:rPr kumimoji="1" lang="zh-CN" altLang="en-US" dirty="0"/>
-              <a:t> </a:t>
-            </a:r>
-            <a:r>
-              <a:rPr kumimoji="1" lang="en-US" altLang="zh-CN" dirty="0"/>
-              <a:t>can</a:t>
-            </a:r>
-            <a:r>
-              <a:rPr kumimoji="1" lang="zh-CN" altLang="en-US" dirty="0"/>
-              <a:t> </a:t>
-            </a:r>
-            <a:r>
-              <a:rPr kumimoji="1" lang="en-US" altLang="zh-CN" dirty="0"/>
-              <a:t>see</a:t>
-            </a:r>
-            <a:r>
-              <a:rPr kumimoji="1" lang="zh-CN" altLang="en-US" dirty="0"/>
-              <a:t> </a:t>
-            </a:r>
-            <a:r>
-              <a:rPr kumimoji="1" lang="en-US" altLang="zh-CN" dirty="0"/>
-              <a:t>from</a:t>
-            </a:r>
-            <a:r>
-              <a:rPr kumimoji="1" lang="zh-CN" altLang="en-US" dirty="0"/>
-              <a:t> </a:t>
-            </a:r>
-            <a:r>
-              <a:rPr kumimoji="1" lang="en-US" altLang="zh-CN" dirty="0"/>
-              <a:t>the</a:t>
-            </a:r>
-            <a:r>
-              <a:rPr kumimoji="1" lang="zh-CN" altLang="en-US" dirty="0"/>
-              <a:t> </a:t>
-            </a:r>
-            <a:r>
-              <a:rPr kumimoji="1" lang="en-US" altLang="zh-CN" dirty="0"/>
-              <a:t>compare</a:t>
-            </a:r>
-            <a:r>
-              <a:rPr kumimoji="1" lang="zh-CN" altLang="en-US" dirty="0"/>
-              <a:t> </a:t>
-            </a:r>
-            <a:r>
-              <a:rPr kumimoji="1" lang="en-US" altLang="zh-CN" dirty="0"/>
-              <a:t>with</a:t>
-            </a:r>
-            <a:r>
-              <a:rPr kumimoji="1" lang="zh-CN" altLang="en-US" dirty="0"/>
-              <a:t> </a:t>
-            </a:r>
-            <a:r>
-              <a:rPr kumimoji="1" lang="en-US" altLang="zh-CN" dirty="0"/>
-              <a:t>Simple</a:t>
-            </a:r>
-            <a:r>
-              <a:rPr kumimoji="1" lang="zh-CN" altLang="en-US" dirty="0"/>
-              <a:t> </a:t>
-            </a:r>
-            <a:r>
-              <a:rPr kumimoji="1" lang="en-US" altLang="zh-CN" dirty="0"/>
-              <a:t>Factor</a:t>
-            </a:r>
-            <a:r>
-              <a:rPr kumimoji="1" lang="zh-CN" altLang="en-US" dirty="0"/>
-              <a:t> </a:t>
-            </a:r>
-            <a:r>
-              <a:rPr kumimoji="1" lang="en-US" altLang="zh-CN" dirty="0"/>
-              <a:t>and</a:t>
-            </a:r>
-            <a:r>
-              <a:rPr kumimoji="1" lang="zh-CN" altLang="en-US" dirty="0"/>
-              <a:t> </a:t>
-            </a:r>
-            <a:r>
-              <a:rPr kumimoji="1" lang="en-US" altLang="zh-CN" dirty="0"/>
-              <a:t>Combined Factor,</a:t>
-            </a:r>
-            <a:r>
-              <a:rPr kumimoji="1" lang="zh-CN" altLang="en-US" dirty="0"/>
-              <a:t> </a:t>
-            </a:r>
-            <a:r>
-              <a:rPr kumimoji="1" lang="en-US" altLang="zh-CN" dirty="0"/>
-              <a:t>we</a:t>
-            </a:r>
-            <a:r>
-              <a:rPr kumimoji="1" lang="zh-CN" altLang="en-US" dirty="0"/>
-              <a:t> </a:t>
-            </a:r>
-            <a:r>
-              <a:rPr kumimoji="1" lang="en-US" altLang="zh-CN" dirty="0"/>
-              <a:t>can</a:t>
-            </a:r>
-            <a:r>
-              <a:rPr kumimoji="1" lang="zh-CN" altLang="en-US" dirty="0"/>
-              <a:t> </a:t>
-            </a:r>
-            <a:r>
-              <a:rPr kumimoji="1" lang="en-US" altLang="zh-CN" dirty="0"/>
-              <a:t>find</a:t>
-            </a:r>
-            <a:r>
-              <a:rPr kumimoji="1" lang="zh-CN" altLang="en-US" dirty="0"/>
-              <a:t> </a:t>
-            </a:r>
-            <a:r>
-              <a:rPr kumimoji="1" lang="en-US" altLang="zh-CN" dirty="0"/>
-              <a:t>that</a:t>
-            </a:r>
-            <a:r>
-              <a:rPr kumimoji="1" lang="zh-CN" altLang="en-US" dirty="0"/>
-              <a:t> </a:t>
-            </a:r>
-            <a:r>
-              <a:rPr kumimoji="1" lang="en-US" altLang="zh-CN" dirty="0"/>
-              <a:t>using</a:t>
-            </a:r>
-            <a:r>
-              <a:rPr kumimoji="1" lang="zh-CN" altLang="en-US" dirty="0"/>
-              <a:t> </a:t>
-            </a:r>
-            <a:r>
-              <a:rPr kumimoji="1" lang="en-US" altLang="zh-CN" dirty="0"/>
-              <a:t>the</a:t>
-            </a:r>
-            <a:r>
-              <a:rPr kumimoji="1" lang="zh-CN" altLang="en-US" dirty="0"/>
-              <a:t> </a:t>
-            </a:r>
-            <a:r>
-              <a:rPr kumimoji="1" lang="en-US" altLang="zh-CN" dirty="0"/>
-              <a:t>simple</a:t>
-            </a:r>
-            <a:r>
-              <a:rPr kumimoji="1" lang="zh-CN" altLang="en-US" dirty="0"/>
-              <a:t> </a:t>
-            </a:r>
-            <a:r>
-              <a:rPr kumimoji="1" lang="en-US" altLang="zh-CN" dirty="0"/>
-              <a:t>factor</a:t>
-            </a:r>
-            <a:r>
-              <a:rPr kumimoji="1" lang="zh-CN" altLang="en-US" dirty="0"/>
-              <a:t> </a:t>
-            </a:r>
-            <a:r>
-              <a:rPr kumimoji="1" lang="en-US" altLang="zh-CN" dirty="0"/>
-              <a:t>can</a:t>
-            </a:r>
-            <a:r>
-              <a:rPr kumimoji="1" lang="zh-CN" altLang="en-US" dirty="0"/>
-              <a:t> </a:t>
-            </a:r>
-            <a:r>
-              <a:rPr kumimoji="1" lang="en-US" altLang="zh-CN" dirty="0"/>
-              <a:t>not</a:t>
-            </a:r>
-            <a:r>
-              <a:rPr kumimoji="1" lang="zh-CN" altLang="en-US" dirty="0"/>
-              <a:t> </a:t>
-            </a:r>
-            <a:r>
-              <a:rPr kumimoji="1" lang="en-US" altLang="zh-CN" dirty="0"/>
-              <a:t>gain</a:t>
-            </a:r>
-            <a:r>
-              <a:rPr kumimoji="1" lang="zh-CN" altLang="en-US" dirty="0"/>
-              <a:t> </a:t>
-            </a:r>
-            <a:r>
-              <a:rPr kumimoji="1" lang="en-US" altLang="zh-CN" dirty="0"/>
-              <a:t>a</a:t>
-            </a:r>
-            <a:r>
-              <a:rPr kumimoji="1" lang="zh-CN" altLang="en-US" dirty="0"/>
-              <a:t> </a:t>
-            </a:r>
-            <a:r>
-              <a:rPr kumimoji="1" lang="en-US" altLang="zh-CN" dirty="0"/>
-              <a:t>good</a:t>
-            </a:r>
-            <a:r>
-              <a:rPr kumimoji="1" lang="zh-CN" altLang="en-US" dirty="0"/>
-              <a:t> </a:t>
-            </a:r>
-            <a:r>
-              <a:rPr kumimoji="1" lang="en-US" altLang="zh-CN" dirty="0"/>
-              <a:t>performance.</a:t>
-            </a:r>
-            <a:r>
-              <a:rPr kumimoji="1" lang="zh-CN" altLang="en-US" dirty="0"/>
-              <a:t> </a:t>
-            </a:r>
-            <a:r>
-              <a:rPr kumimoji="1" lang="en-US" altLang="zh-CN" dirty="0"/>
-              <a:t>Thus,</a:t>
-            </a:r>
-            <a:r>
-              <a:rPr kumimoji="1" lang="zh-CN" altLang="en-US" dirty="0"/>
-              <a:t> </a:t>
-            </a:r>
-            <a:r>
-              <a:rPr kumimoji="1" lang="en-US" altLang="zh-CN" dirty="0"/>
-              <a:t>we</a:t>
-            </a:r>
-            <a:r>
-              <a:rPr kumimoji="1" lang="zh-CN" altLang="en-US" dirty="0"/>
-              <a:t> </a:t>
-            </a:r>
-            <a:r>
-              <a:rPr kumimoji="1" lang="en-US" altLang="zh-CN" dirty="0"/>
-              <a:t>should</a:t>
-            </a:r>
-            <a:r>
-              <a:rPr kumimoji="1" lang="zh-CN" altLang="en-US" dirty="0"/>
-              <a:t> </a:t>
-            </a:r>
-            <a:r>
-              <a:rPr kumimoji="1" lang="en-US" altLang="zh-CN" dirty="0"/>
-              <a:t>do</a:t>
-            </a:r>
-            <a:r>
-              <a:rPr kumimoji="1" lang="zh-CN" altLang="en-US" dirty="0"/>
-              <a:t> </a:t>
-            </a:r>
-            <a:r>
-              <a:rPr kumimoji="1" lang="en-US" altLang="zh-CN" dirty="0"/>
-              <a:t>some</a:t>
-            </a:r>
-            <a:r>
-              <a:rPr kumimoji="1" lang="zh-CN" altLang="en-US" dirty="0"/>
-              <a:t> </a:t>
-            </a:r>
-            <a:r>
-              <a:rPr kumimoji="1" lang="en-US" altLang="zh-CN" dirty="0"/>
-              <a:t>process with</a:t>
-            </a:r>
-            <a:r>
-              <a:rPr kumimoji="1" lang="zh-CN" altLang="en-US" dirty="0"/>
-              <a:t> </a:t>
-            </a:r>
-            <a:r>
-              <a:rPr kumimoji="1" lang="en-US" altLang="zh-CN" dirty="0"/>
-              <a:t>our</a:t>
-            </a:r>
-            <a:r>
-              <a:rPr kumimoji="1" lang="zh-CN" altLang="en-US" dirty="0"/>
-              <a:t> </a:t>
-            </a:r>
-            <a:r>
-              <a:rPr kumimoji="1" lang="en-US" altLang="zh-CN" dirty="0"/>
-              <a:t>factor</a:t>
-            </a:r>
-            <a:r>
-              <a:rPr kumimoji="1" lang="zh-CN" altLang="en-US" dirty="0"/>
-              <a:t> </a:t>
-            </a:r>
-            <a:r>
-              <a:rPr kumimoji="1" lang="en-US" altLang="zh-CN" dirty="0"/>
-              <a:t>exp</a:t>
-            </a:r>
-            <a:r>
-              <a:rPr kumimoji="1" lang="zh-CN" altLang="en-US" dirty="0"/>
-              <a:t> </a:t>
-            </a:r>
-            <a:r>
-              <a:rPr kumimoji="1" lang="en-US" altLang="zh-CN" dirty="0"/>
-              <a:t>combining different factors.</a:t>
-            </a:r>
-          </a:p>
-          <a:p>
-            <a:pPr marL="285750" indent="-285750">
-              <a:buFont typeface="Wingdings" pitchFamily="2" charset="2"/>
-              <a:buChar char="l"/>
-            </a:pPr>
-            <a:r>
-              <a:rPr kumimoji="1" lang="en-US" altLang="zh-CN" dirty="0"/>
-              <a:t>The</a:t>
-            </a:r>
-            <a:r>
-              <a:rPr kumimoji="1" lang="zh-CN" altLang="en-US" dirty="0"/>
-              <a:t> </a:t>
-            </a:r>
-            <a:r>
-              <a:rPr kumimoji="1" lang="en-US" altLang="zh-CN" dirty="0"/>
-              <a:t>best</a:t>
-            </a:r>
-            <a:r>
-              <a:rPr kumimoji="1" lang="zh-CN" altLang="en-US" dirty="0"/>
-              <a:t> </a:t>
-            </a:r>
-            <a:r>
-              <a:rPr kumimoji="1" lang="en-US" altLang="zh-CN" dirty="0"/>
-              <a:t>performance group</a:t>
-            </a:r>
-            <a:r>
-              <a:rPr kumimoji="1" lang="zh-CN" altLang="en-US" dirty="0"/>
-              <a:t> </a:t>
-            </a:r>
-            <a:r>
-              <a:rPr kumimoji="1" lang="en-US" altLang="zh-CN" dirty="0"/>
-              <a:t>is</a:t>
-            </a:r>
-            <a:r>
-              <a:rPr kumimoji="1" lang="zh-CN" altLang="en-US" dirty="0"/>
-              <a:t> </a:t>
-            </a:r>
-            <a:r>
-              <a:rPr kumimoji="1" lang="en-US" altLang="zh-CN" dirty="0"/>
-              <a:t>Third</a:t>
-            </a:r>
-            <a:r>
-              <a:rPr kumimoji="1" lang="zh-CN" altLang="en-US" dirty="0"/>
-              <a:t> </a:t>
-            </a:r>
-            <a:r>
-              <a:rPr kumimoji="1" lang="en-US" altLang="zh-CN" dirty="0"/>
-              <a:t>not</a:t>
-            </a:r>
-            <a:r>
-              <a:rPr kumimoji="1" lang="zh-CN" altLang="en-US" dirty="0"/>
-              <a:t> </a:t>
-            </a:r>
-            <a:r>
-              <a:rPr kumimoji="1" lang="en-US" altLang="zh-CN" dirty="0"/>
-              <a:t>Fifth,</a:t>
-            </a:r>
-            <a:r>
-              <a:rPr kumimoji="1" lang="zh-CN" altLang="en-US" dirty="0"/>
-              <a:t> </a:t>
-            </a:r>
-            <a:r>
-              <a:rPr kumimoji="1" lang="en-US" altLang="zh-CN" dirty="0"/>
-              <a:t>which</a:t>
-            </a:r>
-            <a:r>
-              <a:rPr kumimoji="1" lang="zh-CN" altLang="en-US" dirty="0"/>
-              <a:t> </a:t>
-            </a:r>
-            <a:r>
-              <a:rPr kumimoji="1" lang="en-US" altLang="zh-CN" dirty="0"/>
-              <a:t>means</a:t>
-            </a:r>
-            <a:r>
-              <a:rPr kumimoji="1" lang="zh-CN" altLang="en-US" dirty="0"/>
-              <a:t> </a:t>
-            </a:r>
-            <a:r>
-              <a:rPr kumimoji="1" lang="en-US" altLang="zh-CN" dirty="0"/>
-              <a:t>these</a:t>
-            </a:r>
-            <a:r>
-              <a:rPr kumimoji="1" lang="zh-CN" altLang="en-US" dirty="0"/>
-              <a:t> </a:t>
-            </a:r>
-            <a:r>
-              <a:rPr kumimoji="1" lang="en-US" altLang="zh-CN" dirty="0"/>
-              <a:t>portfolios</a:t>
-            </a:r>
-            <a:r>
-              <a:rPr kumimoji="1" lang="zh-CN" altLang="en-US" dirty="0"/>
-              <a:t> </a:t>
-            </a:r>
-            <a:r>
-              <a:rPr kumimoji="1" lang="en-US" altLang="zh-CN" dirty="0"/>
-              <a:t>are</a:t>
-            </a:r>
-            <a:r>
-              <a:rPr kumimoji="1" lang="zh-CN" altLang="en-US" dirty="0"/>
-              <a:t> </a:t>
-            </a:r>
-            <a:r>
-              <a:rPr kumimoji="1" lang="en-US" altLang="zh-CN" dirty="0"/>
-              <a:t>not</a:t>
-            </a:r>
-            <a:r>
-              <a:rPr kumimoji="1" lang="zh-CN" altLang="en-US" dirty="0"/>
-              <a:t> </a:t>
-            </a:r>
-            <a:r>
-              <a:rPr lang="en" altLang="zh-CN" dirty="0"/>
-              <a:t>Monotonically</a:t>
-            </a:r>
-            <a:r>
-              <a:rPr lang="en-US" altLang="zh-CN" dirty="0"/>
-              <a:t>.</a:t>
-            </a:r>
-            <a:r>
-              <a:rPr lang="zh-CN" altLang="en-US" dirty="0"/>
-              <a:t> </a:t>
-            </a:r>
-            <a:endParaRPr lang="en-US" altLang="zh-CN" dirty="0"/>
-          </a:p>
-          <a:p>
-            <a:pPr marL="285750" indent="-285750">
-              <a:buFont typeface="Wingdings" pitchFamily="2" charset="2"/>
-              <a:buChar char="l"/>
-            </a:pPr>
-            <a:r>
-              <a:rPr lang="en-US" altLang="zh-CN" dirty="0"/>
-              <a:t>Based</a:t>
-            </a:r>
-            <a:r>
-              <a:rPr lang="zh-CN" altLang="en-US" dirty="0"/>
-              <a:t> </a:t>
-            </a:r>
-            <a:r>
-              <a:rPr lang="en-US" altLang="zh-CN" dirty="0"/>
-              <a:t>on</a:t>
-            </a:r>
-            <a:r>
-              <a:rPr lang="zh-CN" altLang="en-US" dirty="0"/>
-              <a:t> </a:t>
-            </a:r>
-            <a:r>
-              <a:rPr lang="en-US" altLang="zh-CN" dirty="0"/>
-              <a:t>that,</a:t>
-            </a:r>
-            <a:r>
-              <a:rPr lang="zh-CN" altLang="en-US" dirty="0"/>
-              <a:t> </a:t>
-            </a:r>
-            <a:r>
-              <a:rPr lang="en-US" altLang="zh-CN" dirty="0"/>
-              <a:t>we</a:t>
-            </a:r>
-            <a:r>
-              <a:rPr lang="zh-CN" altLang="en-US" dirty="0"/>
-              <a:t> </a:t>
-            </a:r>
-            <a:r>
-              <a:rPr lang="en-US" altLang="zh-CN" dirty="0"/>
-              <a:t>need</a:t>
-            </a:r>
-            <a:r>
-              <a:rPr lang="zh-CN" altLang="en-US" dirty="0"/>
-              <a:t> </a:t>
-            </a:r>
-            <a:r>
-              <a:rPr lang="en-US" altLang="zh-CN" dirty="0"/>
-              <a:t>to</a:t>
-            </a:r>
-            <a:r>
-              <a:rPr lang="zh-CN" altLang="en-US" dirty="0"/>
-              <a:t> </a:t>
-            </a:r>
-            <a:r>
-              <a:rPr lang="en-US" altLang="zh-CN" dirty="0"/>
-              <a:t>revise</a:t>
-            </a:r>
-            <a:r>
-              <a:rPr lang="zh-CN" altLang="en-US" dirty="0"/>
-              <a:t> </a:t>
-            </a:r>
-            <a:r>
-              <a:rPr lang="en-US" altLang="zh-CN" dirty="0"/>
-              <a:t>our</a:t>
-            </a:r>
-            <a:r>
-              <a:rPr lang="zh-CN" altLang="en-US" dirty="0"/>
-              <a:t> </a:t>
-            </a:r>
-            <a:r>
-              <a:rPr lang="en-US" altLang="zh-CN" dirty="0"/>
-              <a:t>sort</a:t>
-            </a:r>
-            <a:r>
-              <a:rPr lang="zh-CN" altLang="en-US" dirty="0"/>
-              <a:t> </a:t>
-            </a:r>
-            <a:r>
-              <a:rPr lang="en-US" altLang="zh-CN" dirty="0"/>
-              <a:t>method</a:t>
-            </a:r>
-            <a:r>
-              <a:rPr lang="zh-CN" altLang="en-US" dirty="0"/>
-              <a:t> </a:t>
-            </a:r>
-            <a:r>
-              <a:rPr lang="en-US" altLang="zh-CN" dirty="0"/>
-              <a:t>to</a:t>
-            </a:r>
-            <a:r>
-              <a:rPr lang="zh-CN" altLang="en-US" dirty="0"/>
-              <a:t> </a:t>
-            </a:r>
-            <a:r>
-              <a:rPr lang="en-US" altLang="zh-CN" dirty="0"/>
-              <a:t>improve</a:t>
-            </a:r>
-            <a:r>
-              <a:rPr lang="zh-CN" altLang="en-US" dirty="0"/>
-              <a:t> </a:t>
-            </a:r>
-            <a:r>
-              <a:rPr lang="en-US" altLang="zh-CN" dirty="0"/>
-              <a:t>the</a:t>
-            </a:r>
-            <a:r>
-              <a:rPr lang="zh-CN" altLang="en-US" dirty="0"/>
-              <a:t> </a:t>
-            </a:r>
-            <a:r>
-              <a:rPr lang="en-US" altLang="zh-CN" dirty="0"/>
-              <a:t>performance.</a:t>
-            </a:r>
-            <a:r>
-              <a:rPr lang="zh-CN" altLang="en-US" dirty="0"/>
-              <a:t> </a:t>
-            </a:r>
-            <a:r>
-              <a:rPr kumimoji="1" lang="zh-CN" altLang="en-US" dirty="0"/>
-              <a:t> </a:t>
-            </a:r>
-            <a:r>
-              <a:rPr kumimoji="1" lang="en-US" altLang="zh-CN" dirty="0"/>
-              <a:t>Exp:</a:t>
-            </a:r>
-            <a:r>
-              <a:rPr kumimoji="1" lang="zh-CN" altLang="en-US" dirty="0"/>
-              <a:t> </a:t>
-            </a:r>
-            <a:r>
-              <a:rPr kumimoji="1" lang="en-US" altLang="zh-CN" dirty="0"/>
-              <a:t>we</a:t>
-            </a:r>
-            <a:r>
-              <a:rPr kumimoji="1" lang="zh-CN" altLang="en-US" dirty="0"/>
-              <a:t> </a:t>
-            </a:r>
-            <a:r>
-              <a:rPr kumimoji="1" lang="en-US" altLang="zh-CN" dirty="0"/>
-              <a:t>can</a:t>
-            </a:r>
-            <a:r>
-              <a:rPr kumimoji="1" lang="zh-CN" altLang="en-US" dirty="0"/>
-              <a:t> </a:t>
-            </a:r>
-            <a:r>
-              <a:rPr kumimoji="1" lang="en-US" altLang="zh-CN" dirty="0"/>
-              <a:t>consider</a:t>
-            </a:r>
-            <a:r>
-              <a:rPr kumimoji="1" lang="zh-CN" altLang="en-US" dirty="0"/>
-              <a:t> </a:t>
-            </a:r>
-            <a:r>
-              <a:rPr kumimoji="1" lang="en-US" altLang="zh-CN" dirty="0"/>
-              <a:t>use</a:t>
-            </a:r>
-            <a:r>
-              <a:rPr kumimoji="1" lang="zh-CN" altLang="en-US" dirty="0"/>
-              <a:t> </a:t>
-            </a:r>
-            <a:r>
-              <a:rPr kumimoji="1" lang="en-US" altLang="zh-CN" dirty="0"/>
-              <a:t>the</a:t>
-            </a:r>
-            <a:r>
-              <a:rPr kumimoji="1" lang="zh-CN" altLang="en-US" dirty="0"/>
-              <a:t> </a:t>
-            </a:r>
-            <a:r>
-              <a:rPr kumimoji="1" lang="en-US" altLang="zh-CN" dirty="0"/>
-              <a:t>distance to</a:t>
-            </a:r>
-            <a:r>
-              <a:rPr kumimoji="1" lang="zh-CN" altLang="en-US" dirty="0"/>
-              <a:t> </a:t>
-            </a:r>
-            <a:r>
-              <a:rPr kumimoji="1" lang="en-US" altLang="zh-CN" dirty="0"/>
-              <a:t>mean</a:t>
-            </a:r>
-            <a:r>
-              <a:rPr kumimoji="1" lang="zh-CN" altLang="en-US" dirty="0"/>
-              <a:t> </a:t>
-            </a:r>
-            <a:r>
-              <a:rPr kumimoji="1" lang="en-US" altLang="zh-CN" dirty="0"/>
-              <a:t>factors.</a:t>
-            </a:r>
-            <a:endParaRPr kumimoji="1" lang="zh-CN" altLang="en-US" dirty="0"/>
-          </a:p>
-        </p:txBody>
-      </p:sp>
-    </p:spTree>
   </p:cSld>
   <p:clrMapOvr>
     <a:masterClrMapping/>
